--- a/课程/高级/js+jquery.pptx
+++ b/课程/高级/js+jquery.pptx
@@ -4,6 +4,29 @@
   <p:sldMasterIdLst>
     <p:sldMasterId id="2147483648" r:id="rId1"/>
   </p:sldMasterIdLst>
+  <p:sldIdLst>
+    <p:sldId id="256" r:id="rId3"/>
+    <p:sldId id="257" r:id="rId4"/>
+    <p:sldId id="258" r:id="rId5"/>
+    <p:sldId id="259" r:id="rId6"/>
+    <p:sldId id="260" r:id="rId7"/>
+    <p:sldId id="261" r:id="rId8"/>
+    <p:sldId id="262" r:id="rId9"/>
+    <p:sldId id="263" r:id="rId10"/>
+    <p:sldId id="264" r:id="rId11"/>
+    <p:sldId id="265" r:id="rId12"/>
+    <p:sldId id="266" r:id="rId13"/>
+    <p:sldId id="267" r:id="rId14"/>
+    <p:sldId id="268" r:id="rId15"/>
+    <p:sldId id="269" r:id="rId16"/>
+    <p:sldId id="270" r:id="rId17"/>
+    <p:sldId id="271" r:id="rId18"/>
+    <p:sldId id="272" r:id="rId19"/>
+    <p:sldId id="273" r:id="rId20"/>
+    <p:sldId id="274" r:id="rId21"/>
+    <p:sldId id="275" r:id="rId22"/>
+    <p:sldId id="276" r:id="rId23"/>
+  </p:sldIdLst>
   <p:sldSz cx="12192000" cy="6858000"/>
   <p:notesSz cx="6858000" cy="9144000"/>
   <p:defaultTextStyle>
@@ -235,7 +258,6 @@
           <a:p>
             <a:fld id="{D997B5FA-0921-464F-AAE1-844C04324D75}" type="datetimeFigureOut">
               <a:rPr lang="zh-CN" altLang="en-US" smtClean="0"/>
-              <a:t>2015/5/5</a:t>
             </a:fld>
             <a:endParaRPr lang="zh-CN" altLang="en-US"/>
           </a:p>
@@ -277,18 +299,12 @@
           <a:p>
             <a:fld id="{565CE74E-AB26-4998-AD42-012C4C1AD076}" type="slidenum">
               <a:rPr lang="zh-CN" altLang="en-US" smtClean="0"/>
-              <a:t>‹#›</a:t>
             </a:fld>
             <a:endParaRPr lang="zh-CN" altLang="en-US"/>
           </a:p>
         </p:txBody>
       </p:sp>
     </p:spTree>
-    <p:extLst>
-      <p:ext uri="{BB962C8B-B14F-4D97-AF65-F5344CB8AC3E}">
-        <p14:creationId xmlns:p14="http://schemas.microsoft.com/office/powerpoint/2010/main" val="3051827620"/>
-      </p:ext>
-    </p:extLst>
   </p:cSld>
   <p:clrMapOvr>
     <a:masterClrMapping/>
@@ -356,6 +372,7 @@
               <a:rPr lang="zh-CN" altLang="en-US" smtClean="0"/>
               <a:t>单击此处编辑母版文本样式</a:t>
             </a:r>
+            <a:endParaRPr lang="zh-CN" altLang="en-US" smtClean="0"/>
           </a:p>
           <a:p>
             <a:pPr lvl="1"/>
@@ -363,6 +380,7 @@
               <a:rPr lang="zh-CN" altLang="en-US" smtClean="0"/>
               <a:t>第二级</a:t>
             </a:r>
+            <a:endParaRPr lang="zh-CN" altLang="en-US" smtClean="0"/>
           </a:p>
           <a:p>
             <a:pPr lvl="2"/>
@@ -370,6 +388,7 @@
               <a:rPr lang="zh-CN" altLang="en-US" smtClean="0"/>
               <a:t>第三级</a:t>
             </a:r>
+            <a:endParaRPr lang="zh-CN" altLang="en-US" smtClean="0"/>
           </a:p>
           <a:p>
             <a:pPr lvl="3"/>
@@ -377,6 +396,7 @@
               <a:rPr lang="zh-CN" altLang="en-US" smtClean="0"/>
               <a:t>第四级</a:t>
             </a:r>
+            <a:endParaRPr lang="zh-CN" altLang="en-US" smtClean="0"/>
           </a:p>
           <a:p>
             <a:pPr lvl="4"/>
@@ -405,7 +425,6 @@
           <a:p>
             <a:fld id="{D997B5FA-0921-464F-AAE1-844C04324D75}" type="datetimeFigureOut">
               <a:rPr lang="zh-CN" altLang="en-US" smtClean="0"/>
-              <a:t>2015/5/5</a:t>
             </a:fld>
             <a:endParaRPr lang="zh-CN" altLang="en-US"/>
           </a:p>
@@ -447,18 +466,12 @@
           <a:p>
             <a:fld id="{565CE74E-AB26-4998-AD42-012C4C1AD076}" type="slidenum">
               <a:rPr lang="zh-CN" altLang="en-US" smtClean="0"/>
-              <a:t>‹#›</a:t>
             </a:fld>
             <a:endParaRPr lang="zh-CN" altLang="en-US"/>
           </a:p>
         </p:txBody>
       </p:sp>
     </p:spTree>
-    <p:extLst>
-      <p:ext uri="{BB962C8B-B14F-4D97-AF65-F5344CB8AC3E}">
-        <p14:creationId xmlns:p14="http://schemas.microsoft.com/office/powerpoint/2010/main" val="3188717747"/>
-      </p:ext>
-    </p:extLst>
   </p:cSld>
   <p:clrMapOvr>
     <a:masterClrMapping/>
@@ -536,6 +549,7 @@
               <a:rPr lang="zh-CN" altLang="en-US" smtClean="0"/>
               <a:t>单击此处编辑母版文本样式</a:t>
             </a:r>
+            <a:endParaRPr lang="zh-CN" altLang="en-US" smtClean="0"/>
           </a:p>
           <a:p>
             <a:pPr lvl="1"/>
@@ -543,6 +557,7 @@
               <a:rPr lang="zh-CN" altLang="en-US" smtClean="0"/>
               <a:t>第二级</a:t>
             </a:r>
+            <a:endParaRPr lang="zh-CN" altLang="en-US" smtClean="0"/>
           </a:p>
           <a:p>
             <a:pPr lvl="2"/>
@@ -550,6 +565,7 @@
               <a:rPr lang="zh-CN" altLang="en-US" smtClean="0"/>
               <a:t>第三级</a:t>
             </a:r>
+            <a:endParaRPr lang="zh-CN" altLang="en-US" smtClean="0"/>
           </a:p>
           <a:p>
             <a:pPr lvl="3"/>
@@ -557,6 +573,7 @@
               <a:rPr lang="zh-CN" altLang="en-US" smtClean="0"/>
               <a:t>第四级</a:t>
             </a:r>
+            <a:endParaRPr lang="zh-CN" altLang="en-US" smtClean="0"/>
           </a:p>
           <a:p>
             <a:pPr lvl="4"/>
@@ -585,7 +602,6 @@
           <a:p>
             <a:fld id="{D997B5FA-0921-464F-AAE1-844C04324D75}" type="datetimeFigureOut">
               <a:rPr lang="zh-CN" altLang="en-US" smtClean="0"/>
-              <a:t>2015/5/5</a:t>
             </a:fld>
             <a:endParaRPr lang="zh-CN" altLang="en-US"/>
           </a:p>
@@ -627,18 +643,12 @@
           <a:p>
             <a:fld id="{565CE74E-AB26-4998-AD42-012C4C1AD076}" type="slidenum">
               <a:rPr lang="zh-CN" altLang="en-US" smtClean="0"/>
-              <a:t>‹#›</a:t>
             </a:fld>
             <a:endParaRPr lang="zh-CN" altLang="en-US"/>
           </a:p>
         </p:txBody>
       </p:sp>
     </p:spTree>
-    <p:extLst>
-      <p:ext uri="{BB962C8B-B14F-4D97-AF65-F5344CB8AC3E}">
-        <p14:creationId xmlns:p14="http://schemas.microsoft.com/office/powerpoint/2010/main" val="4025501431"/>
-      </p:ext>
-    </p:extLst>
   </p:cSld>
   <p:clrMapOvr>
     <a:masterClrMapping/>
@@ -706,6 +716,7 @@
               <a:rPr lang="zh-CN" altLang="en-US" smtClean="0"/>
               <a:t>单击此处编辑母版文本样式</a:t>
             </a:r>
+            <a:endParaRPr lang="zh-CN" altLang="en-US" smtClean="0"/>
           </a:p>
           <a:p>
             <a:pPr lvl="1"/>
@@ -713,6 +724,7 @@
               <a:rPr lang="zh-CN" altLang="en-US" smtClean="0"/>
               <a:t>第二级</a:t>
             </a:r>
+            <a:endParaRPr lang="zh-CN" altLang="en-US" smtClean="0"/>
           </a:p>
           <a:p>
             <a:pPr lvl="2"/>
@@ -720,6 +732,7 @@
               <a:rPr lang="zh-CN" altLang="en-US" smtClean="0"/>
               <a:t>第三级</a:t>
             </a:r>
+            <a:endParaRPr lang="zh-CN" altLang="en-US" smtClean="0"/>
           </a:p>
           <a:p>
             <a:pPr lvl="3"/>
@@ -727,6 +740,7 @@
               <a:rPr lang="zh-CN" altLang="en-US" smtClean="0"/>
               <a:t>第四级</a:t>
             </a:r>
+            <a:endParaRPr lang="zh-CN" altLang="en-US" smtClean="0"/>
           </a:p>
           <a:p>
             <a:pPr lvl="4"/>
@@ -755,7 +769,6 @@
           <a:p>
             <a:fld id="{D997B5FA-0921-464F-AAE1-844C04324D75}" type="datetimeFigureOut">
               <a:rPr lang="zh-CN" altLang="en-US" smtClean="0"/>
-              <a:t>2015/5/5</a:t>
             </a:fld>
             <a:endParaRPr lang="zh-CN" altLang="en-US"/>
           </a:p>
@@ -797,18 +810,12 @@
           <a:p>
             <a:fld id="{565CE74E-AB26-4998-AD42-012C4C1AD076}" type="slidenum">
               <a:rPr lang="zh-CN" altLang="en-US" smtClean="0"/>
-              <a:t>‹#›</a:t>
             </a:fld>
             <a:endParaRPr lang="zh-CN" altLang="en-US"/>
           </a:p>
         </p:txBody>
       </p:sp>
     </p:spTree>
-    <p:extLst>
-      <p:ext uri="{BB962C8B-B14F-4D97-AF65-F5344CB8AC3E}">
-        <p14:creationId xmlns:p14="http://schemas.microsoft.com/office/powerpoint/2010/main" val="598653943"/>
-      </p:ext>
-    </p:extLst>
   </p:cSld>
   <p:clrMapOvr>
     <a:masterClrMapping/>
@@ -981,6 +988,7 @@
               <a:rPr lang="zh-CN" altLang="en-US" smtClean="0"/>
               <a:t>单击此处编辑母版文本样式</a:t>
             </a:r>
+            <a:endParaRPr lang="zh-CN" altLang="en-US" smtClean="0"/>
           </a:p>
         </p:txBody>
       </p:sp>
@@ -1001,7 +1009,6 @@
           <a:p>
             <a:fld id="{D997B5FA-0921-464F-AAE1-844C04324D75}" type="datetimeFigureOut">
               <a:rPr lang="zh-CN" altLang="en-US" smtClean="0"/>
-              <a:t>2015/5/5</a:t>
             </a:fld>
             <a:endParaRPr lang="zh-CN" altLang="en-US"/>
           </a:p>
@@ -1043,18 +1050,12 @@
           <a:p>
             <a:fld id="{565CE74E-AB26-4998-AD42-012C4C1AD076}" type="slidenum">
               <a:rPr lang="zh-CN" altLang="en-US" smtClean="0"/>
-              <a:t>‹#›</a:t>
             </a:fld>
             <a:endParaRPr lang="zh-CN" altLang="en-US"/>
           </a:p>
         </p:txBody>
       </p:sp>
     </p:spTree>
-    <p:extLst>
-      <p:ext uri="{BB962C8B-B14F-4D97-AF65-F5344CB8AC3E}">
-        <p14:creationId xmlns:p14="http://schemas.microsoft.com/office/powerpoint/2010/main" val="1612184157"/>
-      </p:ext>
-    </p:extLst>
   </p:cSld>
   <p:clrMapOvr>
     <a:masterClrMapping/>
@@ -1127,6 +1128,7 @@
               <a:rPr lang="zh-CN" altLang="en-US" smtClean="0"/>
               <a:t>单击此处编辑母版文本样式</a:t>
             </a:r>
+            <a:endParaRPr lang="zh-CN" altLang="en-US" smtClean="0"/>
           </a:p>
           <a:p>
             <a:pPr lvl="1"/>
@@ -1134,6 +1136,7 @@
               <a:rPr lang="zh-CN" altLang="en-US" smtClean="0"/>
               <a:t>第二级</a:t>
             </a:r>
+            <a:endParaRPr lang="zh-CN" altLang="en-US" smtClean="0"/>
           </a:p>
           <a:p>
             <a:pPr lvl="2"/>
@@ -1141,6 +1144,7 @@
               <a:rPr lang="zh-CN" altLang="en-US" smtClean="0"/>
               <a:t>第三级</a:t>
             </a:r>
+            <a:endParaRPr lang="zh-CN" altLang="en-US" smtClean="0"/>
           </a:p>
           <a:p>
             <a:pPr lvl="3"/>
@@ -1148,6 +1152,7 @@
               <a:rPr lang="zh-CN" altLang="en-US" smtClean="0"/>
               <a:t>第四级</a:t>
             </a:r>
+            <a:endParaRPr lang="zh-CN" altLang="en-US" smtClean="0"/>
           </a:p>
           <a:p>
             <a:pPr lvl="4"/>
@@ -1184,6 +1189,7 @@
               <a:rPr lang="zh-CN" altLang="en-US" smtClean="0"/>
               <a:t>单击此处编辑母版文本样式</a:t>
             </a:r>
+            <a:endParaRPr lang="zh-CN" altLang="en-US" smtClean="0"/>
           </a:p>
           <a:p>
             <a:pPr lvl="1"/>
@@ -1191,6 +1197,7 @@
               <a:rPr lang="zh-CN" altLang="en-US" smtClean="0"/>
               <a:t>第二级</a:t>
             </a:r>
+            <a:endParaRPr lang="zh-CN" altLang="en-US" smtClean="0"/>
           </a:p>
           <a:p>
             <a:pPr lvl="2"/>
@@ -1198,6 +1205,7 @@
               <a:rPr lang="zh-CN" altLang="en-US" smtClean="0"/>
               <a:t>第三级</a:t>
             </a:r>
+            <a:endParaRPr lang="zh-CN" altLang="en-US" smtClean="0"/>
           </a:p>
           <a:p>
             <a:pPr lvl="3"/>
@@ -1205,6 +1213,7 @@
               <a:rPr lang="zh-CN" altLang="en-US" smtClean="0"/>
               <a:t>第四级</a:t>
             </a:r>
+            <a:endParaRPr lang="zh-CN" altLang="en-US" smtClean="0"/>
           </a:p>
           <a:p>
             <a:pPr lvl="4"/>
@@ -1233,7 +1242,6 @@
           <a:p>
             <a:fld id="{D997B5FA-0921-464F-AAE1-844C04324D75}" type="datetimeFigureOut">
               <a:rPr lang="zh-CN" altLang="en-US" smtClean="0"/>
-              <a:t>2015/5/5</a:t>
             </a:fld>
             <a:endParaRPr lang="zh-CN" altLang="en-US"/>
           </a:p>
@@ -1275,18 +1283,12 @@
           <a:p>
             <a:fld id="{565CE74E-AB26-4998-AD42-012C4C1AD076}" type="slidenum">
               <a:rPr lang="zh-CN" altLang="en-US" smtClean="0"/>
-              <a:t>‹#›</a:t>
             </a:fld>
             <a:endParaRPr lang="zh-CN" altLang="en-US"/>
           </a:p>
         </p:txBody>
       </p:sp>
     </p:spTree>
-    <p:extLst>
-      <p:ext uri="{BB962C8B-B14F-4D97-AF65-F5344CB8AC3E}">
-        <p14:creationId xmlns:p14="http://schemas.microsoft.com/office/powerpoint/2010/main" val="2905825717"/>
-      </p:ext>
-    </p:extLst>
   </p:cSld>
   <p:clrMapOvr>
     <a:masterClrMapping/>
@@ -1401,6 +1403,7 @@
               <a:rPr lang="zh-CN" altLang="en-US" smtClean="0"/>
               <a:t>单击此处编辑母版文本样式</a:t>
             </a:r>
+            <a:endParaRPr lang="zh-CN" altLang="en-US" smtClean="0"/>
           </a:p>
         </p:txBody>
       </p:sp>
@@ -1429,6 +1432,7 @@
               <a:rPr lang="zh-CN" altLang="en-US" smtClean="0"/>
               <a:t>单击此处编辑母版文本样式</a:t>
             </a:r>
+            <a:endParaRPr lang="zh-CN" altLang="en-US" smtClean="0"/>
           </a:p>
           <a:p>
             <a:pPr lvl="1"/>
@@ -1436,6 +1440,7 @@
               <a:rPr lang="zh-CN" altLang="en-US" smtClean="0"/>
               <a:t>第二级</a:t>
             </a:r>
+            <a:endParaRPr lang="zh-CN" altLang="en-US" smtClean="0"/>
           </a:p>
           <a:p>
             <a:pPr lvl="2"/>
@@ -1443,6 +1448,7 @@
               <a:rPr lang="zh-CN" altLang="en-US" smtClean="0"/>
               <a:t>第三级</a:t>
             </a:r>
+            <a:endParaRPr lang="zh-CN" altLang="en-US" smtClean="0"/>
           </a:p>
           <a:p>
             <a:pPr lvl="3"/>
@@ -1450,6 +1456,7 @@
               <a:rPr lang="zh-CN" altLang="en-US" smtClean="0"/>
               <a:t>第四级</a:t>
             </a:r>
+            <a:endParaRPr lang="zh-CN" altLang="en-US" smtClean="0"/>
           </a:p>
           <a:p>
             <a:pPr lvl="4"/>
@@ -1523,6 +1530,7 @@
               <a:rPr lang="zh-CN" altLang="en-US" smtClean="0"/>
               <a:t>单击此处编辑母版文本样式</a:t>
             </a:r>
+            <a:endParaRPr lang="zh-CN" altLang="en-US" smtClean="0"/>
           </a:p>
         </p:txBody>
       </p:sp>
@@ -1551,6 +1559,7 @@
               <a:rPr lang="zh-CN" altLang="en-US" smtClean="0"/>
               <a:t>单击此处编辑母版文本样式</a:t>
             </a:r>
+            <a:endParaRPr lang="zh-CN" altLang="en-US" smtClean="0"/>
           </a:p>
           <a:p>
             <a:pPr lvl="1"/>
@@ -1558,6 +1567,7 @@
               <a:rPr lang="zh-CN" altLang="en-US" smtClean="0"/>
               <a:t>第二级</a:t>
             </a:r>
+            <a:endParaRPr lang="zh-CN" altLang="en-US" smtClean="0"/>
           </a:p>
           <a:p>
             <a:pPr lvl="2"/>
@@ -1565,6 +1575,7 @@
               <a:rPr lang="zh-CN" altLang="en-US" smtClean="0"/>
               <a:t>第三级</a:t>
             </a:r>
+            <a:endParaRPr lang="zh-CN" altLang="en-US" smtClean="0"/>
           </a:p>
           <a:p>
             <a:pPr lvl="3"/>
@@ -1572,6 +1583,7 @@
               <a:rPr lang="zh-CN" altLang="en-US" smtClean="0"/>
               <a:t>第四级</a:t>
             </a:r>
+            <a:endParaRPr lang="zh-CN" altLang="en-US" smtClean="0"/>
           </a:p>
           <a:p>
             <a:pPr lvl="4"/>
@@ -1600,7 +1612,6 @@
           <a:p>
             <a:fld id="{D997B5FA-0921-464F-AAE1-844C04324D75}" type="datetimeFigureOut">
               <a:rPr lang="zh-CN" altLang="en-US" smtClean="0"/>
-              <a:t>2015/5/5</a:t>
             </a:fld>
             <a:endParaRPr lang="zh-CN" altLang="en-US"/>
           </a:p>
@@ -1642,18 +1653,12 @@
           <a:p>
             <a:fld id="{565CE74E-AB26-4998-AD42-012C4C1AD076}" type="slidenum">
               <a:rPr lang="zh-CN" altLang="en-US" smtClean="0"/>
-              <a:t>‹#›</a:t>
             </a:fld>
             <a:endParaRPr lang="zh-CN" altLang="en-US"/>
           </a:p>
         </p:txBody>
       </p:sp>
     </p:spTree>
-    <p:extLst>
-      <p:ext uri="{BB962C8B-B14F-4D97-AF65-F5344CB8AC3E}">
-        <p14:creationId xmlns:p14="http://schemas.microsoft.com/office/powerpoint/2010/main" val="168117047"/>
-      </p:ext>
-    </p:extLst>
   </p:cSld>
   <p:clrMapOvr>
     <a:masterClrMapping/>
@@ -1718,7 +1723,6 @@
           <a:p>
             <a:fld id="{D997B5FA-0921-464F-AAE1-844C04324D75}" type="datetimeFigureOut">
               <a:rPr lang="zh-CN" altLang="en-US" smtClean="0"/>
-              <a:t>2015/5/5</a:t>
             </a:fld>
             <a:endParaRPr lang="zh-CN" altLang="en-US"/>
           </a:p>
@@ -1760,18 +1764,12 @@
           <a:p>
             <a:fld id="{565CE74E-AB26-4998-AD42-012C4C1AD076}" type="slidenum">
               <a:rPr lang="zh-CN" altLang="en-US" smtClean="0"/>
-              <a:t>‹#›</a:t>
             </a:fld>
             <a:endParaRPr lang="zh-CN" altLang="en-US"/>
           </a:p>
         </p:txBody>
       </p:sp>
     </p:spTree>
-    <p:extLst>
-      <p:ext uri="{BB962C8B-B14F-4D97-AF65-F5344CB8AC3E}">
-        <p14:creationId xmlns:p14="http://schemas.microsoft.com/office/powerpoint/2010/main" val="2764406021"/>
-      </p:ext>
-    </p:extLst>
   </p:cSld>
   <p:clrMapOvr>
     <a:masterClrMapping/>
@@ -1813,7 +1811,6 @@
           <a:p>
             <a:fld id="{D997B5FA-0921-464F-AAE1-844C04324D75}" type="datetimeFigureOut">
               <a:rPr lang="zh-CN" altLang="en-US" smtClean="0"/>
-              <a:t>2015/5/5</a:t>
             </a:fld>
             <a:endParaRPr lang="zh-CN" altLang="en-US"/>
           </a:p>
@@ -1855,18 +1852,12 @@
           <a:p>
             <a:fld id="{565CE74E-AB26-4998-AD42-012C4C1AD076}" type="slidenum">
               <a:rPr lang="zh-CN" altLang="en-US" smtClean="0"/>
-              <a:t>‹#›</a:t>
             </a:fld>
             <a:endParaRPr lang="zh-CN" altLang="en-US"/>
           </a:p>
         </p:txBody>
       </p:sp>
     </p:spTree>
-    <p:extLst>
-      <p:ext uri="{BB962C8B-B14F-4D97-AF65-F5344CB8AC3E}">
-        <p14:creationId xmlns:p14="http://schemas.microsoft.com/office/powerpoint/2010/main" val="276523006"/>
-      </p:ext>
-    </p:extLst>
   </p:cSld>
   <p:clrMapOvr>
     <a:masterClrMapping/>
@@ -1976,6 +1967,7 @@
               <a:rPr lang="zh-CN" altLang="en-US" smtClean="0"/>
               <a:t>单击此处编辑母版文本样式</a:t>
             </a:r>
+            <a:endParaRPr lang="zh-CN" altLang="en-US" smtClean="0"/>
           </a:p>
           <a:p>
             <a:pPr lvl="1"/>
@@ -1983,6 +1975,7 @@
               <a:rPr lang="zh-CN" altLang="en-US" smtClean="0"/>
               <a:t>第二级</a:t>
             </a:r>
+            <a:endParaRPr lang="zh-CN" altLang="en-US" smtClean="0"/>
           </a:p>
           <a:p>
             <a:pPr lvl="2"/>
@@ -1990,6 +1983,7 @@
               <a:rPr lang="zh-CN" altLang="en-US" smtClean="0"/>
               <a:t>第三级</a:t>
             </a:r>
+            <a:endParaRPr lang="zh-CN" altLang="en-US" smtClean="0"/>
           </a:p>
           <a:p>
             <a:pPr lvl="3"/>
@@ -1997,6 +1991,7 @@
               <a:rPr lang="zh-CN" altLang="en-US" smtClean="0"/>
               <a:t>第四级</a:t>
             </a:r>
+            <a:endParaRPr lang="zh-CN" altLang="en-US" smtClean="0"/>
           </a:p>
           <a:p>
             <a:pPr lvl="4"/>
@@ -2070,6 +2065,7 @@
               <a:rPr lang="zh-CN" altLang="en-US" smtClean="0"/>
               <a:t>单击此处编辑母版文本样式</a:t>
             </a:r>
+            <a:endParaRPr lang="zh-CN" altLang="en-US" smtClean="0"/>
           </a:p>
         </p:txBody>
       </p:sp>
@@ -2090,7 +2086,6 @@
           <a:p>
             <a:fld id="{D997B5FA-0921-464F-AAE1-844C04324D75}" type="datetimeFigureOut">
               <a:rPr lang="zh-CN" altLang="en-US" smtClean="0"/>
-              <a:t>2015/5/5</a:t>
             </a:fld>
             <a:endParaRPr lang="zh-CN" altLang="en-US"/>
           </a:p>
@@ -2132,18 +2127,12 @@
           <a:p>
             <a:fld id="{565CE74E-AB26-4998-AD42-012C4C1AD076}" type="slidenum">
               <a:rPr lang="zh-CN" altLang="en-US" smtClean="0"/>
-              <a:t>‹#›</a:t>
             </a:fld>
             <a:endParaRPr lang="zh-CN" altLang="en-US"/>
           </a:p>
         </p:txBody>
       </p:sp>
     </p:spTree>
-    <p:extLst>
-      <p:ext uri="{BB962C8B-B14F-4D97-AF65-F5344CB8AC3E}">
-        <p14:creationId xmlns:p14="http://schemas.microsoft.com/office/powerpoint/2010/main" val="694758376"/>
-      </p:ext>
-    </p:extLst>
   </p:cSld>
   <p:clrMapOvr>
     <a:masterClrMapping/>
@@ -2323,6 +2312,7 @@
               <a:rPr lang="zh-CN" altLang="en-US" smtClean="0"/>
               <a:t>单击此处编辑母版文本样式</a:t>
             </a:r>
+            <a:endParaRPr lang="zh-CN" altLang="en-US" smtClean="0"/>
           </a:p>
         </p:txBody>
       </p:sp>
@@ -2343,7 +2333,6 @@
           <a:p>
             <a:fld id="{D997B5FA-0921-464F-AAE1-844C04324D75}" type="datetimeFigureOut">
               <a:rPr lang="zh-CN" altLang="en-US" smtClean="0"/>
-              <a:t>2015/5/5</a:t>
             </a:fld>
             <a:endParaRPr lang="zh-CN" altLang="en-US"/>
           </a:p>
@@ -2385,18 +2374,12 @@
           <a:p>
             <a:fld id="{565CE74E-AB26-4998-AD42-012C4C1AD076}" type="slidenum">
               <a:rPr lang="zh-CN" altLang="en-US" smtClean="0"/>
-              <a:t>‹#›</a:t>
             </a:fld>
             <a:endParaRPr lang="zh-CN" altLang="en-US"/>
           </a:p>
         </p:txBody>
       </p:sp>
     </p:spTree>
-    <p:extLst>
-      <p:ext uri="{BB962C8B-B14F-4D97-AF65-F5344CB8AC3E}">
-        <p14:creationId xmlns:p14="http://schemas.microsoft.com/office/powerpoint/2010/main" val="477805659"/>
-      </p:ext>
-    </p:extLst>
   </p:cSld>
   <p:clrMapOvr>
     <a:masterClrMapping/>
@@ -2489,6 +2472,7 @@
               <a:rPr lang="zh-CN" altLang="en-US" smtClean="0"/>
               <a:t>单击此处编辑母版文本样式</a:t>
             </a:r>
+            <a:endParaRPr lang="zh-CN" altLang="en-US" smtClean="0"/>
           </a:p>
           <a:p>
             <a:pPr lvl="1"/>
@@ -2496,6 +2480,7 @@
               <a:rPr lang="zh-CN" altLang="en-US" smtClean="0"/>
               <a:t>第二级</a:t>
             </a:r>
+            <a:endParaRPr lang="zh-CN" altLang="en-US" smtClean="0"/>
           </a:p>
           <a:p>
             <a:pPr lvl="2"/>
@@ -2503,6 +2488,7 @@
               <a:rPr lang="zh-CN" altLang="en-US" smtClean="0"/>
               <a:t>第三级</a:t>
             </a:r>
+            <a:endParaRPr lang="zh-CN" altLang="en-US" smtClean="0"/>
           </a:p>
           <a:p>
             <a:pPr lvl="3"/>
@@ -2510,6 +2496,7 @@
               <a:rPr lang="zh-CN" altLang="en-US" smtClean="0"/>
               <a:t>第四级</a:t>
             </a:r>
+            <a:endParaRPr lang="zh-CN" altLang="en-US" smtClean="0"/>
           </a:p>
           <a:p>
             <a:pPr lvl="4"/>
@@ -2556,7 +2543,6 @@
           <a:p>
             <a:fld id="{D997B5FA-0921-464F-AAE1-844C04324D75}" type="datetimeFigureOut">
               <a:rPr lang="zh-CN" altLang="en-US" smtClean="0"/>
-              <a:t>2015/5/5</a:t>
             </a:fld>
             <a:endParaRPr lang="zh-CN" altLang="en-US"/>
           </a:p>
@@ -2634,18 +2620,12 @@
           <a:p>
             <a:fld id="{565CE74E-AB26-4998-AD42-012C4C1AD076}" type="slidenum">
               <a:rPr lang="zh-CN" altLang="en-US" smtClean="0"/>
-              <a:t>‹#›</a:t>
             </a:fld>
             <a:endParaRPr lang="zh-CN" altLang="en-US"/>
           </a:p>
         </p:txBody>
       </p:sp>
     </p:spTree>
-    <p:extLst>
-      <p:ext uri="{BB962C8B-B14F-4D97-AF65-F5344CB8AC3E}">
-        <p14:creationId xmlns:p14="http://schemas.microsoft.com/office/powerpoint/2010/main" val="2003094035"/>
-      </p:ext>
-    </p:extLst>
   </p:cSld>
   <p:clrMap bg1="lt1" tx1="dk1" bg2="lt2" tx2="dk2" accent1="accent1" accent2="accent2" accent3="accent3" accent4="accent4" accent5="accent5" accent6="accent6" hlink="hlink" folHlink="folHlink"/>
   <p:sldLayoutIdLst>
@@ -2689,7 +2669,7 @@
         <a:spcBef>
           <a:spcPts val="1000"/>
         </a:spcBef>
-        <a:buFont typeface="Arial" panose="020B0604020202020204" pitchFamily="34" charset="0"/>
+        <a:buFont typeface="Arial" pitchFamily="34" charset="0"/>
         <a:buChar char="•"/>
         <a:defRPr sz="2800" kern="1200">
           <a:solidFill>
@@ -2707,7 +2687,7 @@
         <a:spcBef>
           <a:spcPts val="500"/>
         </a:spcBef>
-        <a:buFont typeface="Arial" panose="020B0604020202020204" pitchFamily="34" charset="0"/>
+        <a:buFont typeface="Arial" pitchFamily="34" charset="0"/>
         <a:buChar char="•"/>
         <a:defRPr sz="2400" kern="1200">
           <a:solidFill>
@@ -2725,7 +2705,7 @@
         <a:spcBef>
           <a:spcPts val="500"/>
         </a:spcBef>
-        <a:buFont typeface="Arial" panose="020B0604020202020204" pitchFamily="34" charset="0"/>
+        <a:buFont typeface="Arial" pitchFamily="34" charset="0"/>
         <a:buChar char="•"/>
         <a:defRPr sz="2000" kern="1200">
           <a:solidFill>
@@ -2743,7 +2723,7 @@
         <a:spcBef>
           <a:spcPts val="500"/>
         </a:spcBef>
-        <a:buFont typeface="Arial" panose="020B0604020202020204" pitchFamily="34" charset="0"/>
+        <a:buFont typeface="Arial" pitchFamily="34" charset="0"/>
         <a:buChar char="•"/>
         <a:defRPr sz="1800" kern="1200">
           <a:solidFill>
@@ -2761,7 +2741,7 @@
         <a:spcBef>
           <a:spcPts val="500"/>
         </a:spcBef>
-        <a:buFont typeface="Arial" panose="020B0604020202020204" pitchFamily="34" charset="0"/>
+        <a:buFont typeface="Arial" pitchFamily="34" charset="0"/>
         <a:buChar char="•"/>
         <a:defRPr sz="1800" kern="1200">
           <a:solidFill>
@@ -2779,7 +2759,7 @@
         <a:spcBef>
           <a:spcPts val="500"/>
         </a:spcBef>
-        <a:buFont typeface="Arial" panose="020B0604020202020204" pitchFamily="34" charset="0"/>
+        <a:buFont typeface="Arial" pitchFamily="34" charset="0"/>
         <a:buChar char="•"/>
         <a:defRPr sz="1800" kern="1200">
           <a:solidFill>
@@ -2797,7 +2777,7 @@
         <a:spcBef>
           <a:spcPts val="500"/>
         </a:spcBef>
-        <a:buFont typeface="Arial" panose="020B0604020202020204" pitchFamily="34" charset="0"/>
+        <a:buFont typeface="Arial" pitchFamily="34" charset="0"/>
         <a:buChar char="•"/>
         <a:defRPr sz="1800" kern="1200">
           <a:solidFill>
@@ -2815,7 +2795,7 @@
         <a:spcBef>
           <a:spcPts val="500"/>
         </a:spcBef>
-        <a:buFont typeface="Arial" panose="020B0604020202020204" pitchFamily="34" charset="0"/>
+        <a:buFont typeface="Arial" pitchFamily="34" charset="0"/>
         <a:buChar char="•"/>
         <a:defRPr sz="1800" kern="1200">
           <a:solidFill>
@@ -2833,7 +2813,7 @@
         <a:spcBef>
           <a:spcPts val="500"/>
         </a:spcBef>
-        <a:buFont typeface="Arial" panose="020B0604020202020204" pitchFamily="34" charset="0"/>
+        <a:buFont typeface="Arial" pitchFamily="34" charset="0"/>
         <a:buChar char="•"/>
         <a:defRPr sz="1800" kern="1200">
           <a:solidFill>
@@ -2944,6 +2924,2138 @@
 </p:sldMaster>
 </file>
 
+<file path=ppt/slides/slide1.xml><?xml version="1.0" encoding="utf-8"?>
+<p:sld xmlns:a="http://schemas.openxmlformats.org/drawingml/2006/main" xmlns:r="http://schemas.openxmlformats.org/officeDocument/2006/relationships" xmlns:p="http://schemas.openxmlformats.org/presentationml/2006/main">
+  <p:cSld>
+    <p:spTree>
+      <p:nvGrpSpPr>
+        <p:cNvPr id="1" name=""/>
+        <p:cNvGrpSpPr/>
+        <p:nvPr/>
+      </p:nvGrpSpPr>
+      <p:grpSpPr/>
+      <p:sp>
+        <p:nvSpPr>
+          <p:cNvPr id="2" name="标题 1"/>
+          <p:cNvSpPr>
+            <a:spLocks noGrp="1"/>
+          </p:cNvSpPr>
+          <p:nvPr>
+            <p:ph type="ctrTitle"/>
+          </p:nvPr>
+        </p:nvSpPr>
+        <p:spPr/>
+        <p:txBody>
+          <a:bodyPr/>
+          <a:p>
+            <a:r>
+              <a:rPr lang="en-US" altLang="zh-CN"/>
+              <a:t>jquery</a:t>
+            </a:r>
+            <a:endParaRPr lang="en-US" altLang="zh-CN"/>
+          </a:p>
+        </p:txBody>
+      </p:sp>
+      <p:sp>
+        <p:nvSpPr>
+          <p:cNvPr id="5" name="副标题 2"/>
+          <p:cNvSpPr>
+            <a:spLocks noGrp="1"/>
+          </p:cNvSpPr>
+          <p:nvPr/>
+        </p:nvSpPr>
+        <p:spPr>
+          <a:xfrm>
+            <a:off x="1651000" y="3729038"/>
+            <a:ext cx="9144000" cy="1655762"/>
+          </a:xfrm>
+          <a:prstGeom prst="rect">
+            <a:avLst/>
+          </a:prstGeom>
+        </p:spPr>
+        <p:txBody>
+          <a:bodyPr vert="horz" lIns="91440" tIns="45720" rIns="91440" bIns="45720" rtlCol="0">
+            <a:normAutofit/>
+          </a:bodyPr>
+          <a:lstStyle>
+            <a:lvl1pPr marL="0" indent="0" algn="ctr" defTabSz="914400" rtl="0" eaLnBrk="1" latinLnBrk="0" hangingPunct="1">
+              <a:lnSpc>
+                <a:spcPct val="90000"/>
+              </a:lnSpc>
+              <a:spcBef>
+                <a:spcPts val="1000"/>
+              </a:spcBef>
+              <a:buFont typeface="Arial" pitchFamily="34" charset="0"/>
+              <a:buNone/>
+              <a:defRPr sz="2400" kern="1200">
+                <a:solidFill>
+                  <a:schemeClr val="tx1"/>
+                </a:solidFill>
+                <a:latin typeface="+mn-lt"/>
+                <a:ea typeface="+mn-ea"/>
+                <a:cs typeface="+mn-cs"/>
+              </a:defRPr>
+            </a:lvl1pPr>
+            <a:lvl2pPr marL="457200" indent="0" algn="ctr" defTabSz="914400" rtl="0" eaLnBrk="1" latinLnBrk="0" hangingPunct="1">
+              <a:lnSpc>
+                <a:spcPct val="90000"/>
+              </a:lnSpc>
+              <a:spcBef>
+                <a:spcPts val="500"/>
+              </a:spcBef>
+              <a:buFont typeface="Arial" pitchFamily="34" charset="0"/>
+              <a:buNone/>
+              <a:defRPr sz="2000" kern="1200">
+                <a:solidFill>
+                  <a:schemeClr val="tx1"/>
+                </a:solidFill>
+                <a:latin typeface="+mn-lt"/>
+                <a:ea typeface="+mn-ea"/>
+                <a:cs typeface="+mn-cs"/>
+              </a:defRPr>
+            </a:lvl2pPr>
+            <a:lvl3pPr marL="914400" indent="0" algn="ctr" defTabSz="914400" rtl="0" eaLnBrk="1" latinLnBrk="0" hangingPunct="1">
+              <a:lnSpc>
+                <a:spcPct val="90000"/>
+              </a:lnSpc>
+              <a:spcBef>
+                <a:spcPts val="500"/>
+              </a:spcBef>
+              <a:buFont typeface="Arial" pitchFamily="34" charset="0"/>
+              <a:buNone/>
+              <a:defRPr sz="1800" kern="1200">
+                <a:solidFill>
+                  <a:schemeClr val="tx1"/>
+                </a:solidFill>
+                <a:latin typeface="+mn-lt"/>
+                <a:ea typeface="+mn-ea"/>
+                <a:cs typeface="+mn-cs"/>
+              </a:defRPr>
+            </a:lvl3pPr>
+            <a:lvl4pPr marL="1371600" indent="0" algn="ctr" defTabSz="914400" rtl="0" eaLnBrk="1" latinLnBrk="0" hangingPunct="1">
+              <a:lnSpc>
+                <a:spcPct val="90000"/>
+              </a:lnSpc>
+              <a:spcBef>
+                <a:spcPts val="500"/>
+              </a:spcBef>
+              <a:buFont typeface="Arial" pitchFamily="34" charset="0"/>
+              <a:buNone/>
+              <a:defRPr sz="1600" kern="1200">
+                <a:solidFill>
+                  <a:schemeClr val="tx1"/>
+                </a:solidFill>
+                <a:latin typeface="+mn-lt"/>
+                <a:ea typeface="+mn-ea"/>
+                <a:cs typeface="+mn-cs"/>
+              </a:defRPr>
+            </a:lvl4pPr>
+            <a:lvl5pPr marL="1828800" indent="0" algn="ctr" defTabSz="914400" rtl="0" eaLnBrk="1" latinLnBrk="0" hangingPunct="1">
+              <a:lnSpc>
+                <a:spcPct val="90000"/>
+              </a:lnSpc>
+              <a:spcBef>
+                <a:spcPts val="500"/>
+              </a:spcBef>
+              <a:buFont typeface="Arial" pitchFamily="34" charset="0"/>
+              <a:buNone/>
+              <a:defRPr sz="1600" kern="1200">
+                <a:solidFill>
+                  <a:schemeClr val="tx1"/>
+                </a:solidFill>
+                <a:latin typeface="+mn-lt"/>
+                <a:ea typeface="+mn-ea"/>
+                <a:cs typeface="+mn-cs"/>
+              </a:defRPr>
+            </a:lvl5pPr>
+            <a:lvl6pPr marL="2286000" indent="0" algn="ctr" defTabSz="914400" rtl="0" eaLnBrk="1" latinLnBrk="0" hangingPunct="1">
+              <a:lnSpc>
+                <a:spcPct val="90000"/>
+              </a:lnSpc>
+              <a:spcBef>
+                <a:spcPts val="500"/>
+              </a:spcBef>
+              <a:buFont typeface="Arial" pitchFamily="34" charset="0"/>
+              <a:buNone/>
+              <a:defRPr sz="1600" kern="1200">
+                <a:solidFill>
+                  <a:schemeClr val="tx1"/>
+                </a:solidFill>
+                <a:latin typeface="+mn-lt"/>
+                <a:ea typeface="+mn-ea"/>
+                <a:cs typeface="+mn-cs"/>
+              </a:defRPr>
+            </a:lvl6pPr>
+            <a:lvl7pPr marL="2743200" indent="0" algn="ctr" defTabSz="914400" rtl="0" eaLnBrk="1" latinLnBrk="0" hangingPunct="1">
+              <a:lnSpc>
+                <a:spcPct val="90000"/>
+              </a:lnSpc>
+              <a:spcBef>
+                <a:spcPts val="500"/>
+              </a:spcBef>
+              <a:buFont typeface="Arial" pitchFamily="34" charset="0"/>
+              <a:buNone/>
+              <a:defRPr sz="1600" kern="1200">
+                <a:solidFill>
+                  <a:schemeClr val="tx1"/>
+                </a:solidFill>
+                <a:latin typeface="+mn-lt"/>
+                <a:ea typeface="+mn-ea"/>
+                <a:cs typeface="+mn-cs"/>
+              </a:defRPr>
+            </a:lvl7pPr>
+            <a:lvl8pPr marL="3200400" indent="0" algn="ctr" defTabSz="914400" rtl="0" eaLnBrk="1" latinLnBrk="0" hangingPunct="1">
+              <a:lnSpc>
+                <a:spcPct val="90000"/>
+              </a:lnSpc>
+              <a:spcBef>
+                <a:spcPts val="500"/>
+              </a:spcBef>
+              <a:buFont typeface="Arial" pitchFamily="34" charset="0"/>
+              <a:buNone/>
+              <a:defRPr sz="1600" kern="1200">
+                <a:solidFill>
+                  <a:schemeClr val="tx1"/>
+                </a:solidFill>
+                <a:latin typeface="+mn-lt"/>
+                <a:ea typeface="+mn-ea"/>
+                <a:cs typeface="+mn-cs"/>
+              </a:defRPr>
+            </a:lvl8pPr>
+            <a:lvl9pPr marL="3657600" indent="0" algn="ctr" defTabSz="914400" rtl="0" eaLnBrk="1" latinLnBrk="0" hangingPunct="1">
+              <a:lnSpc>
+                <a:spcPct val="90000"/>
+              </a:lnSpc>
+              <a:spcBef>
+                <a:spcPts val="500"/>
+              </a:spcBef>
+              <a:buFont typeface="Arial" pitchFamily="34" charset="0"/>
+              <a:buNone/>
+              <a:defRPr sz="1600" kern="1200">
+                <a:solidFill>
+                  <a:schemeClr val="tx1"/>
+                </a:solidFill>
+                <a:latin typeface="+mn-lt"/>
+                <a:ea typeface="+mn-ea"/>
+                <a:cs typeface="+mn-cs"/>
+              </a:defRPr>
+            </a:lvl9pPr>
+          </a:lstStyle>
+          <a:p>
+            <a:pPr algn="r"/>
+            <a:r>
+              <a:rPr lang="en-US" altLang="zh-CN">
+                <a:sym typeface="+mn-ea"/>
+              </a:rPr>
+              <a:t>--</a:t>
+            </a:r>
+            <a:r>
+              <a:rPr lang="zh-CN" altLang="en-US">
+                <a:sym typeface="+mn-ea"/>
+              </a:rPr>
+              <a:t>未来之光：谭友林</a:t>
+            </a:r>
+            <a:endParaRPr lang="zh-CN" altLang="en-US">
+              <a:sym typeface="+mn-ea"/>
+            </a:endParaRPr>
+          </a:p>
+          <a:p>
+            <a:pPr algn="r"/>
+            <a:r>
+              <a:rPr lang="en-US" altLang="zh-CN"/>
+              <a:t>qq:</a:t>
+            </a:r>
+            <a:r>
+              <a:rPr lang="en-US" altLang="zh-CN"/>
+              <a:t>1712853213</a:t>
+            </a:r>
+            <a:endParaRPr lang="en-US" altLang="zh-CN"/>
+          </a:p>
+          <a:p>
+            <a:pPr algn="r"/>
+            <a:r>
+              <a:rPr lang="en-US" altLang="zh-CN"/>
+              <a:t>qq</a:t>
+            </a:r>
+            <a:r>
+              <a:rPr lang="zh-CN" altLang="en-US"/>
+              <a:t>群：424734136</a:t>
+            </a:r>
+            <a:endParaRPr lang="zh-CN" altLang="en-US"/>
+          </a:p>
+        </p:txBody>
+      </p:sp>
+    </p:spTree>
+  </p:cSld>
+  <p:clrMapOvr>
+    <a:masterClrMapping/>
+  </p:clrMapOvr>
+</p:sld>
+</file>
+
+<file path=ppt/slides/slide10.xml><?xml version="1.0" encoding="utf-8"?>
+<p:sld xmlns:a="http://schemas.openxmlformats.org/drawingml/2006/main" xmlns:r="http://schemas.openxmlformats.org/officeDocument/2006/relationships" xmlns:p="http://schemas.openxmlformats.org/presentationml/2006/main">
+  <p:cSld>
+    <p:spTree>
+      <p:nvGrpSpPr>
+        <p:cNvPr id="1" name=""/>
+        <p:cNvGrpSpPr/>
+        <p:nvPr/>
+      </p:nvGrpSpPr>
+      <p:grpSpPr/>
+      <p:sp>
+        <p:nvSpPr>
+          <p:cNvPr id="2" name="标题 1"/>
+          <p:cNvSpPr>
+            <a:spLocks noGrp="1"/>
+          </p:cNvSpPr>
+          <p:nvPr>
+            <p:ph type="title"/>
+          </p:nvPr>
+        </p:nvSpPr>
+        <p:spPr/>
+        <p:txBody>
+          <a:bodyPr/>
+          <a:p>
+            <a:r>
+              <a:rPr lang="en-US" altLang="zh-CN"/>
+              <a:t>jquery</a:t>
+            </a:r>
+            <a:r>
+              <a:rPr lang="zh-CN" altLang="en-US"/>
+              <a:t>淡入淡出</a:t>
+            </a:r>
+            <a:endParaRPr lang="zh-CN" altLang="en-US"/>
+          </a:p>
+        </p:txBody>
+      </p:sp>
+      <p:sp>
+        <p:nvSpPr>
+          <p:cNvPr id="3" name="内容占位符 2"/>
+          <p:cNvSpPr>
+            <a:spLocks noGrp="1"/>
+          </p:cNvSpPr>
+          <p:nvPr>
+            <p:ph idx="1"/>
+          </p:nvPr>
+        </p:nvSpPr>
+        <p:spPr/>
+        <p:txBody>
+          <a:bodyPr>
+            <a:normAutofit fontScale="90000" lnSpcReduction="10000"/>
+          </a:bodyPr>
+          <a:p>
+            <a:r>
+              <a:rPr lang="en-US" altLang="zh-CN"/>
+              <a:t>fadeOut</a:t>
+            </a:r>
+            <a:r>
+              <a:rPr lang="zh-CN" altLang="en-US"/>
+              <a:t>淡出已显示的元素</a:t>
+            </a:r>
+            <a:endParaRPr lang="zh-CN" altLang="en-US"/>
+          </a:p>
+          <a:p>
+            <a:r>
+              <a:rPr lang="en-US" altLang="zh-CN"/>
+              <a:t>fadeIn</a:t>
+            </a:r>
+            <a:r>
+              <a:rPr lang="zh-CN" altLang="en-US"/>
+              <a:t>淡入已隐藏的元素</a:t>
+            </a:r>
+            <a:endParaRPr lang="zh-CN" altLang="en-US"/>
+          </a:p>
+          <a:p>
+            <a:r>
+              <a:rPr lang="zh-CN" altLang="en-US"/>
+              <a:t>jQuery fadeToggle() 方法</a:t>
+            </a:r>
+            <a:endParaRPr lang="zh-CN" altLang="en-US"/>
+          </a:p>
+          <a:p>
+            <a:r>
+              <a:rPr lang="zh-CN" altLang="en-US"/>
+              <a:t>jQuery fadeToggle() 方法可以在 fadeIn() 与 fadeOut() 方法之间进行切换。</a:t>
+            </a:r>
+            <a:endParaRPr lang="zh-CN" altLang="en-US"/>
+          </a:p>
+          <a:p>
+            <a:endParaRPr lang="zh-CN" altLang="en-US"/>
+          </a:p>
+          <a:p>
+            <a:r>
+              <a:rPr lang="zh-CN" altLang="en-US"/>
+              <a:t>如果元素已淡出，则 fadeToggle() 会向元素添加淡入效果。</a:t>
+            </a:r>
+            <a:endParaRPr lang="zh-CN" altLang="en-US"/>
+          </a:p>
+          <a:p>
+            <a:endParaRPr lang="zh-CN" altLang="en-US"/>
+          </a:p>
+          <a:p>
+            <a:r>
+              <a:rPr lang="zh-CN" altLang="en-US"/>
+              <a:t>如果元素已淡入，则 fadeToggle() 会向元素添加淡出效果。</a:t>
+            </a:r>
+            <a:endParaRPr lang="zh-CN" altLang="en-US"/>
+          </a:p>
+          <a:p>
+            <a:r>
+              <a:rPr lang="zh-CN" altLang="en-US"/>
+              <a:t>jQuery fadeTo() 方法</a:t>
+            </a:r>
+            <a:endParaRPr lang="zh-CN" altLang="en-US"/>
+          </a:p>
+          <a:p>
+            <a:r>
+              <a:rPr lang="zh-CN" altLang="en-US"/>
+              <a:t>jQuery fadeTo() 方法允许渐变为给定的不透明度（值介于 0 与 1 之间）。</a:t>
+            </a:r>
+            <a:endParaRPr lang="zh-CN" altLang="en-US"/>
+          </a:p>
+        </p:txBody>
+      </p:sp>
+    </p:spTree>
+  </p:cSld>
+  <p:clrMapOvr>
+    <a:masterClrMapping/>
+  </p:clrMapOvr>
+</p:sld>
+</file>
+
+<file path=ppt/slides/slide11.xml><?xml version="1.0" encoding="utf-8"?>
+<p:sld xmlns:a="http://schemas.openxmlformats.org/drawingml/2006/main" xmlns:r="http://schemas.openxmlformats.org/officeDocument/2006/relationships" xmlns:p="http://schemas.openxmlformats.org/presentationml/2006/main">
+  <p:cSld>
+    <p:spTree>
+      <p:nvGrpSpPr>
+        <p:cNvPr id="1" name=""/>
+        <p:cNvGrpSpPr/>
+        <p:nvPr/>
+      </p:nvGrpSpPr>
+      <p:grpSpPr/>
+      <p:sp>
+        <p:nvSpPr>
+          <p:cNvPr id="2" name="标题 1"/>
+          <p:cNvSpPr>
+            <a:spLocks noGrp="1"/>
+          </p:cNvSpPr>
+          <p:nvPr>
+            <p:ph type="title"/>
+          </p:nvPr>
+        </p:nvSpPr>
+        <p:spPr/>
+        <p:txBody>
+          <a:bodyPr/>
+          <a:p>
+            <a:r>
+              <a:rPr lang="en-US" altLang="zh-CN"/>
+              <a:t>jquery</a:t>
+            </a:r>
+            <a:r>
+              <a:rPr lang="zh-CN" altLang="en-US"/>
+              <a:t>滑动</a:t>
+            </a:r>
+            <a:endParaRPr lang="zh-CN" altLang="en-US"/>
+          </a:p>
+        </p:txBody>
+      </p:sp>
+      <p:sp>
+        <p:nvSpPr>
+          <p:cNvPr id="3" name="内容占位符 2"/>
+          <p:cNvSpPr>
+            <a:spLocks noGrp="1"/>
+          </p:cNvSpPr>
+          <p:nvPr>
+            <p:ph idx="1"/>
+          </p:nvPr>
+        </p:nvSpPr>
+        <p:spPr/>
+        <p:txBody>
+          <a:bodyPr/>
+          <a:p>
+            <a:r>
+              <a:rPr lang="en-US" altLang="zh-CN"/>
+              <a:t>slideDown</a:t>
+            </a:r>
+            <a:r>
+              <a:rPr lang="zh-CN" altLang="en-US"/>
+              <a:t>向下滑动元素</a:t>
+            </a:r>
+            <a:endParaRPr lang="zh-CN" altLang="en-US"/>
+          </a:p>
+          <a:p>
+            <a:r>
+              <a:rPr lang="en-US" altLang="zh-CN"/>
+              <a:t>slideUp</a:t>
+            </a:r>
+            <a:r>
+              <a:rPr lang="zh-CN" altLang="en-US"/>
+              <a:t>向上滑动元素</a:t>
+            </a:r>
+            <a:endParaRPr lang="zh-CN" altLang="en-US"/>
+          </a:p>
+          <a:p>
+            <a:r>
+              <a:rPr lang="en-US" altLang="zh-CN"/>
+              <a:t>slideToggle</a:t>
+            </a:r>
+            <a:r>
+              <a:rPr lang="zh-CN" altLang="en-US"/>
+              <a:t>如果元素已经打开就向上如果已经关闭就向上</a:t>
+            </a:r>
+            <a:endParaRPr lang="zh-CN" altLang="en-US"/>
+          </a:p>
+        </p:txBody>
+      </p:sp>
+    </p:spTree>
+  </p:cSld>
+  <p:clrMapOvr>
+    <a:masterClrMapping/>
+  </p:clrMapOvr>
+</p:sld>
+</file>
+
+<file path=ppt/slides/slide12.xml><?xml version="1.0" encoding="utf-8"?>
+<p:sld xmlns:a="http://schemas.openxmlformats.org/drawingml/2006/main" xmlns:r="http://schemas.openxmlformats.org/officeDocument/2006/relationships" xmlns:p="http://schemas.openxmlformats.org/presentationml/2006/main">
+  <p:cSld>
+    <p:spTree>
+      <p:nvGrpSpPr>
+        <p:cNvPr id="1" name=""/>
+        <p:cNvGrpSpPr/>
+        <p:nvPr/>
+      </p:nvGrpSpPr>
+      <p:grpSpPr/>
+      <p:sp>
+        <p:nvSpPr>
+          <p:cNvPr id="2" name="标题 1"/>
+          <p:cNvSpPr>
+            <a:spLocks noGrp="1"/>
+          </p:cNvSpPr>
+          <p:nvPr>
+            <p:ph type="title"/>
+          </p:nvPr>
+        </p:nvSpPr>
+        <p:spPr/>
+        <p:txBody>
+          <a:bodyPr/>
+          <a:p>
+            <a:r>
+              <a:rPr lang="en-US" altLang="zh-CN"/>
+              <a:t>jquery</a:t>
+            </a:r>
+            <a:r>
+              <a:rPr lang="zh-CN" altLang="en-US"/>
+              <a:t>动画</a:t>
+            </a:r>
+            <a:endParaRPr lang="zh-CN" altLang="en-US"/>
+          </a:p>
+        </p:txBody>
+      </p:sp>
+      <p:sp>
+        <p:nvSpPr>
+          <p:cNvPr id="3" name="内容占位符 2"/>
+          <p:cNvSpPr>
+            <a:spLocks noGrp="1"/>
+          </p:cNvSpPr>
+          <p:nvPr>
+            <p:ph idx="1"/>
+          </p:nvPr>
+        </p:nvSpPr>
+        <p:spPr/>
+        <p:txBody>
+          <a:bodyPr/>
+          <a:p>
+            <a:r>
+              <a:rPr lang="en-US" altLang="zh-CN"/>
+              <a:t>animation</a:t>
+            </a:r>
+            <a:r>
+              <a:rPr lang="zh-CN" altLang="en-US"/>
+              <a:t>（）改变</a:t>
+            </a:r>
+            <a:r>
+              <a:rPr lang="en-US" altLang="zh-CN"/>
+              <a:t>css</a:t>
+            </a:r>
+            <a:r>
+              <a:rPr lang="zh-CN" altLang="en-US"/>
+              <a:t>属性</a:t>
+            </a:r>
+            <a:endParaRPr lang="zh-CN" altLang="en-US"/>
+          </a:p>
+        </p:txBody>
+      </p:sp>
+    </p:spTree>
+  </p:cSld>
+  <p:clrMapOvr>
+    <a:masterClrMapping/>
+  </p:clrMapOvr>
+</p:sld>
+</file>
+
+<file path=ppt/slides/slide13.xml><?xml version="1.0" encoding="utf-8"?>
+<p:sld xmlns:a="http://schemas.openxmlformats.org/drawingml/2006/main" xmlns:r="http://schemas.openxmlformats.org/officeDocument/2006/relationships" xmlns:p="http://schemas.openxmlformats.org/presentationml/2006/main">
+  <p:cSld>
+    <p:spTree>
+      <p:nvGrpSpPr>
+        <p:cNvPr id="1" name=""/>
+        <p:cNvGrpSpPr/>
+        <p:nvPr/>
+      </p:nvGrpSpPr>
+      <p:grpSpPr/>
+      <p:sp>
+        <p:nvSpPr>
+          <p:cNvPr id="2" name="标题 1"/>
+          <p:cNvSpPr>
+            <a:spLocks noGrp="1"/>
+          </p:cNvSpPr>
+          <p:nvPr>
+            <p:ph type="title"/>
+          </p:nvPr>
+        </p:nvSpPr>
+        <p:spPr/>
+        <p:txBody>
+          <a:bodyPr/>
+          <a:p>
+            <a:r>
+              <a:rPr lang="en-US" altLang="zh-CN"/>
+              <a:t>jquery  </a:t>
+            </a:r>
+            <a:r>
+              <a:rPr lang="zh-CN" altLang="en-US"/>
+              <a:t>停止</a:t>
+            </a:r>
+            <a:endParaRPr lang="zh-CN" altLang="en-US"/>
+          </a:p>
+        </p:txBody>
+      </p:sp>
+      <p:sp>
+        <p:nvSpPr>
+          <p:cNvPr id="3" name="内容占位符 2"/>
+          <p:cNvSpPr>
+            <a:spLocks noGrp="1"/>
+          </p:cNvSpPr>
+          <p:nvPr>
+            <p:ph idx="1"/>
+          </p:nvPr>
+        </p:nvSpPr>
+        <p:spPr/>
+        <p:txBody>
+          <a:bodyPr/>
+          <a:p>
+            <a:r>
+              <a:rPr lang="en-US" altLang="zh-CN"/>
+              <a:t>stop</a:t>
+            </a:r>
+            <a:r>
+              <a:rPr lang="zh-CN" altLang="en-US"/>
+              <a:t>在他停止之前</a:t>
+            </a:r>
+            <a:endParaRPr lang="zh-CN" altLang="en-US"/>
+          </a:p>
+        </p:txBody>
+      </p:sp>
+    </p:spTree>
+  </p:cSld>
+  <p:clrMapOvr>
+    <a:masterClrMapping/>
+  </p:clrMapOvr>
+</p:sld>
+</file>
+
+<file path=ppt/slides/slide14.xml><?xml version="1.0" encoding="utf-8"?>
+<p:sld xmlns:a="http://schemas.openxmlformats.org/drawingml/2006/main" xmlns:r="http://schemas.openxmlformats.org/officeDocument/2006/relationships" xmlns:p="http://schemas.openxmlformats.org/presentationml/2006/main">
+  <p:cSld>
+    <p:spTree>
+      <p:nvGrpSpPr>
+        <p:cNvPr id="1" name=""/>
+        <p:cNvGrpSpPr/>
+        <p:nvPr/>
+      </p:nvGrpSpPr>
+      <p:grpSpPr/>
+      <p:sp>
+        <p:nvSpPr>
+          <p:cNvPr id="2" name="标题 1"/>
+          <p:cNvSpPr>
+            <a:spLocks noGrp="1"/>
+          </p:cNvSpPr>
+          <p:nvPr>
+            <p:ph type="title"/>
+          </p:nvPr>
+        </p:nvSpPr>
+        <p:spPr/>
+        <p:txBody>
+          <a:bodyPr/>
+          <a:p>
+            <a:r>
+              <a:rPr lang="en-US" altLang="zh-CN"/>
+              <a:t>jquery   html</a:t>
+            </a:r>
+            <a:r>
+              <a:rPr lang="zh-CN" altLang="en-US"/>
+              <a:t>操作</a:t>
+            </a:r>
+            <a:endParaRPr lang="zh-CN" altLang="en-US"/>
+          </a:p>
+        </p:txBody>
+      </p:sp>
+      <p:sp>
+        <p:nvSpPr>
+          <p:cNvPr id="3" name="内容占位符 2"/>
+          <p:cNvSpPr>
+            <a:spLocks noGrp="1"/>
+          </p:cNvSpPr>
+          <p:nvPr>
+            <p:ph idx="1"/>
+          </p:nvPr>
+        </p:nvSpPr>
+        <p:spPr/>
+        <p:txBody>
+          <a:bodyPr/>
+          <a:p>
+            <a:r>
+              <a:rPr lang="zh-CN" altLang="en-US"/>
+              <a:t>获得内容 - text()、html() 以及 val()</a:t>
+            </a:r>
+            <a:endParaRPr lang="zh-CN" altLang="en-US"/>
+          </a:p>
+          <a:p>
+            <a:r>
+              <a:rPr lang="zh-CN" altLang="en-US"/>
+              <a:t>三个简单实用的用于 DOM 操作的 jQuery 方法：</a:t>
+            </a:r>
+            <a:endParaRPr lang="zh-CN" altLang="en-US"/>
+          </a:p>
+          <a:p>
+            <a:endParaRPr lang="zh-CN" altLang="en-US"/>
+          </a:p>
+          <a:p>
+            <a:r>
+              <a:rPr lang="zh-CN" altLang="en-US"/>
+              <a:t>text() - 设置或返回所选元素的文本内容 </a:t>
+            </a:r>
+            <a:endParaRPr lang="zh-CN" altLang="en-US"/>
+          </a:p>
+          <a:p>
+            <a:r>
+              <a:rPr lang="zh-CN" altLang="en-US"/>
+              <a:t>html() - 设置或返回所选元素的内容（包括 HTML 标记） </a:t>
+            </a:r>
+            <a:endParaRPr lang="zh-CN" altLang="en-US"/>
+          </a:p>
+          <a:p>
+            <a:r>
+              <a:rPr lang="zh-CN" altLang="en-US"/>
+              <a:t>val() - 设置或返回表单字段的值 </a:t>
+            </a:r>
+            <a:endParaRPr lang="zh-CN" altLang="en-US"/>
+          </a:p>
+        </p:txBody>
+      </p:sp>
+    </p:spTree>
+  </p:cSld>
+  <p:clrMapOvr>
+    <a:masterClrMapping/>
+  </p:clrMapOvr>
+</p:sld>
+</file>
+
+<file path=ppt/slides/slide15.xml><?xml version="1.0" encoding="utf-8"?>
+<p:sld xmlns:a="http://schemas.openxmlformats.org/drawingml/2006/main" xmlns:r="http://schemas.openxmlformats.org/officeDocument/2006/relationships" xmlns:p="http://schemas.openxmlformats.org/presentationml/2006/main">
+  <p:cSld>
+    <p:spTree>
+      <p:nvGrpSpPr>
+        <p:cNvPr id="1" name=""/>
+        <p:cNvGrpSpPr/>
+        <p:nvPr/>
+      </p:nvGrpSpPr>
+      <p:grpSpPr/>
+      <p:sp>
+        <p:nvSpPr>
+          <p:cNvPr id="2" name="标题 1"/>
+          <p:cNvSpPr>
+            <a:spLocks noGrp="1"/>
+          </p:cNvSpPr>
+          <p:nvPr>
+            <p:ph type="title"/>
+          </p:nvPr>
+        </p:nvSpPr>
+        <p:spPr/>
+        <p:txBody>
+          <a:bodyPr/>
+          <a:p>
+            <a:r>
+              <a:rPr lang="en-US" altLang="zh-CN"/>
+              <a:t>jquery  css</a:t>
+            </a:r>
+            <a:endParaRPr lang="en-US" altLang="zh-CN"/>
+          </a:p>
+        </p:txBody>
+      </p:sp>
+      <p:sp>
+        <p:nvSpPr>
+          <p:cNvPr id="3" name="内容占位符 2"/>
+          <p:cNvSpPr>
+            <a:spLocks noGrp="1"/>
+          </p:cNvSpPr>
+          <p:nvPr>
+            <p:ph idx="1"/>
+          </p:nvPr>
+        </p:nvSpPr>
+        <p:spPr/>
+        <p:txBody>
+          <a:bodyPr/>
+          <a:p>
+            <a:r>
+              <a:rPr lang="zh-CN" altLang="en-US"/>
+              <a:t>jQuery 操作 CSS</a:t>
+            </a:r>
+            <a:endParaRPr lang="zh-CN" altLang="en-US"/>
+          </a:p>
+          <a:p>
+            <a:r>
+              <a:rPr lang="zh-CN" altLang="en-US"/>
+              <a:t>jQuery 拥有若干进行 CSS 操作的方法。我们将学习下面这些：</a:t>
+            </a:r>
+            <a:endParaRPr lang="zh-CN" altLang="en-US"/>
+          </a:p>
+          <a:p>
+            <a:endParaRPr lang="zh-CN" altLang="en-US"/>
+          </a:p>
+          <a:p>
+            <a:r>
+              <a:rPr lang="zh-CN" altLang="en-US"/>
+              <a:t>addClass() - 向被选元素添加一个或多个类 </a:t>
+            </a:r>
+            <a:endParaRPr lang="zh-CN" altLang="en-US"/>
+          </a:p>
+          <a:p>
+            <a:r>
+              <a:rPr lang="zh-CN" altLang="en-US"/>
+              <a:t>removeClass() - 从被选元素删除一个或多个类 </a:t>
+            </a:r>
+            <a:endParaRPr lang="zh-CN" altLang="en-US"/>
+          </a:p>
+          <a:p>
+            <a:r>
+              <a:rPr lang="zh-CN" altLang="en-US"/>
+              <a:t>toggleClass() - 对被选元素进行添加/删除类的切换操作 </a:t>
+            </a:r>
+            <a:endParaRPr lang="zh-CN" altLang="en-US"/>
+          </a:p>
+          <a:p>
+            <a:r>
+              <a:rPr lang="zh-CN" altLang="en-US"/>
+              <a:t>css() - 设置或返回样式属性 </a:t>
+            </a:r>
+            <a:endParaRPr lang="zh-CN" altLang="en-US"/>
+          </a:p>
+        </p:txBody>
+      </p:sp>
+    </p:spTree>
+  </p:cSld>
+  <p:clrMapOvr>
+    <a:masterClrMapping/>
+  </p:clrMapOvr>
+</p:sld>
+</file>
+
+<file path=ppt/slides/slide16.xml><?xml version="1.0" encoding="utf-8"?>
+<p:sld xmlns:a="http://schemas.openxmlformats.org/drawingml/2006/main" xmlns:r="http://schemas.openxmlformats.org/officeDocument/2006/relationships" xmlns:p="http://schemas.openxmlformats.org/presentationml/2006/main">
+  <p:cSld>
+    <p:spTree>
+      <p:nvGrpSpPr>
+        <p:cNvPr id="1" name=""/>
+        <p:cNvGrpSpPr/>
+        <p:nvPr/>
+      </p:nvGrpSpPr>
+      <p:grpSpPr/>
+      <p:sp>
+        <p:nvSpPr>
+          <p:cNvPr id="2" name="标题 1"/>
+          <p:cNvSpPr>
+            <a:spLocks noGrp="1"/>
+          </p:cNvSpPr>
+          <p:nvPr>
+            <p:ph type="title"/>
+          </p:nvPr>
+        </p:nvSpPr>
+        <p:spPr/>
+        <p:txBody>
+          <a:bodyPr/>
+          <a:p>
+            <a:r>
+              <a:rPr lang="en-US" altLang="zh-CN"/>
+              <a:t>jquery</a:t>
+            </a:r>
+            <a:r>
+              <a:rPr lang="zh-CN" altLang="en-US"/>
+              <a:t>删除</a:t>
+            </a:r>
+            <a:endParaRPr lang="zh-CN" altLang="en-US"/>
+          </a:p>
+        </p:txBody>
+      </p:sp>
+      <p:sp>
+        <p:nvSpPr>
+          <p:cNvPr id="3" name="内容占位符 2"/>
+          <p:cNvSpPr>
+            <a:spLocks noGrp="1"/>
+          </p:cNvSpPr>
+          <p:nvPr>
+            <p:ph idx="1"/>
+          </p:nvPr>
+        </p:nvSpPr>
+        <p:spPr/>
+        <p:txBody>
+          <a:bodyPr/>
+          <a:p>
+            <a:r>
+              <a:rPr lang="zh-CN" altLang="en-US"/>
+              <a:t>删除元素/内容</a:t>
+            </a:r>
+            <a:endParaRPr lang="zh-CN" altLang="en-US"/>
+          </a:p>
+          <a:p>
+            <a:r>
+              <a:rPr lang="zh-CN" altLang="en-US"/>
+              <a:t>如需删除元素和内容，一般可使用以下两个 jQuery 方法：</a:t>
+            </a:r>
+            <a:endParaRPr lang="zh-CN" altLang="en-US"/>
+          </a:p>
+          <a:p>
+            <a:endParaRPr lang="zh-CN" altLang="en-US"/>
+          </a:p>
+          <a:p>
+            <a:r>
+              <a:rPr lang="zh-CN" altLang="en-US"/>
+              <a:t>remove() - 删除被选元素（及其子元素） </a:t>
+            </a:r>
+            <a:endParaRPr lang="zh-CN" altLang="en-US"/>
+          </a:p>
+          <a:p>
+            <a:r>
+              <a:rPr lang="zh-CN" altLang="en-US"/>
+              <a:t>empty() - 从被选元素中删除子元素 </a:t>
+            </a:r>
+            <a:endParaRPr lang="zh-CN" altLang="en-US"/>
+          </a:p>
+        </p:txBody>
+      </p:sp>
+    </p:spTree>
+  </p:cSld>
+  <p:clrMapOvr>
+    <a:masterClrMapping/>
+  </p:clrMapOvr>
+</p:sld>
+</file>
+
+<file path=ppt/slides/slide17.xml><?xml version="1.0" encoding="utf-8"?>
+<p:sld xmlns:a="http://schemas.openxmlformats.org/drawingml/2006/main" xmlns:r="http://schemas.openxmlformats.org/officeDocument/2006/relationships" xmlns:p="http://schemas.openxmlformats.org/presentationml/2006/main">
+  <p:cSld>
+    <p:spTree>
+      <p:nvGrpSpPr>
+        <p:cNvPr id="1" name=""/>
+        <p:cNvGrpSpPr/>
+        <p:nvPr/>
+      </p:nvGrpSpPr>
+      <p:grpSpPr/>
+      <p:sp>
+        <p:nvSpPr>
+          <p:cNvPr id="2" name="标题 1"/>
+          <p:cNvSpPr>
+            <a:spLocks noGrp="1"/>
+          </p:cNvSpPr>
+          <p:nvPr>
+            <p:ph type="title"/>
+          </p:nvPr>
+        </p:nvSpPr>
+        <p:spPr/>
+        <p:txBody>
+          <a:bodyPr/>
+          <a:p>
+            <a:r>
+              <a:rPr lang="en-US" altLang="zh-CN"/>
+              <a:t>jquery  </a:t>
+            </a:r>
+            <a:r>
+              <a:rPr lang="zh-CN" altLang="en-US"/>
+              <a:t>尺寸</a:t>
+            </a:r>
+            <a:endParaRPr lang="zh-CN" altLang="en-US"/>
+          </a:p>
+        </p:txBody>
+      </p:sp>
+      <p:sp>
+        <p:nvSpPr>
+          <p:cNvPr id="3" name="内容占位符 2"/>
+          <p:cNvSpPr>
+            <a:spLocks noGrp="1"/>
+          </p:cNvSpPr>
+          <p:nvPr>
+            <p:ph idx="1"/>
+          </p:nvPr>
+        </p:nvSpPr>
+        <p:spPr/>
+        <p:txBody>
+          <a:bodyPr>
+            <a:normAutofit fontScale="90000"/>
+          </a:bodyPr>
+          <a:p>
+            <a:r>
+              <a:rPr lang="zh-CN" altLang="en-US"/>
+              <a:t>jQuery 尺寸 方法</a:t>
+            </a:r>
+            <a:endParaRPr lang="zh-CN" altLang="en-US"/>
+          </a:p>
+          <a:p>
+            <a:r>
+              <a:rPr lang="zh-CN" altLang="en-US"/>
+              <a:t>jQuery 提供多个处理尺寸的重要方法：</a:t>
+            </a:r>
+            <a:endParaRPr lang="zh-CN" altLang="en-US"/>
+          </a:p>
+          <a:p>
+            <a:endParaRPr lang="zh-CN" altLang="en-US"/>
+          </a:p>
+          <a:p>
+            <a:r>
+              <a:rPr lang="zh-CN" altLang="en-US"/>
+              <a:t>width() 方法设置或返回元素的宽度（不包括内边距、边框或外边距）。</a:t>
+            </a:r>
+            <a:endParaRPr lang="zh-CN" altLang="en-US"/>
+          </a:p>
+          <a:p>
+            <a:r>
+              <a:rPr lang="zh-CN" altLang="en-US"/>
+              <a:t>height() 方法设置或返回元素的高度（不包括内边距、边框或外边距）。</a:t>
+            </a:r>
+            <a:endParaRPr lang="zh-CN" altLang="en-US"/>
+          </a:p>
+          <a:p>
+            <a:r>
+              <a:rPr lang="zh-CN" altLang="en-US"/>
+              <a:t>innerWidth() 方法返回元素的宽度（包括内边距）。</a:t>
+            </a:r>
+            <a:endParaRPr lang="zh-CN" altLang="en-US"/>
+          </a:p>
+          <a:p>
+            <a:r>
+              <a:rPr lang="zh-CN" altLang="en-US"/>
+              <a:t>innerHeight() 方法返回元素的高度（包括内边距）。</a:t>
+            </a:r>
+            <a:endParaRPr lang="zh-CN" altLang="en-US"/>
+          </a:p>
+          <a:p>
+            <a:r>
+              <a:rPr lang="zh-CN" altLang="en-US"/>
+              <a:t>outerWidth() 方法返回元素的宽度（包括内边距和边框）。</a:t>
+            </a:r>
+            <a:endParaRPr lang="zh-CN" altLang="en-US"/>
+          </a:p>
+          <a:p>
+            <a:r>
+              <a:rPr lang="zh-CN" altLang="en-US"/>
+              <a:t>outerHeight() 方法返回元素的高度（包括内边距和边框）。</a:t>
+            </a:r>
+            <a:endParaRPr lang="zh-CN" altLang="en-US"/>
+          </a:p>
+        </p:txBody>
+      </p:sp>
+    </p:spTree>
+  </p:cSld>
+  <p:clrMapOvr>
+    <a:masterClrMapping/>
+  </p:clrMapOvr>
+</p:sld>
+</file>
+
+<file path=ppt/slides/slide18.xml><?xml version="1.0" encoding="utf-8"?>
+<p:sld xmlns:a="http://schemas.openxmlformats.org/drawingml/2006/main" xmlns:r="http://schemas.openxmlformats.org/officeDocument/2006/relationships" xmlns:p="http://schemas.openxmlformats.org/presentationml/2006/main">
+  <p:cSld>
+    <p:spTree>
+      <p:nvGrpSpPr>
+        <p:cNvPr id="1" name=""/>
+        <p:cNvGrpSpPr/>
+        <p:nvPr/>
+      </p:nvGrpSpPr>
+      <p:grpSpPr/>
+      <p:sp>
+        <p:nvSpPr>
+          <p:cNvPr id="2" name="标题 1"/>
+          <p:cNvSpPr>
+            <a:spLocks noGrp="1"/>
+          </p:cNvSpPr>
+          <p:nvPr>
+            <p:ph type="title"/>
+          </p:nvPr>
+        </p:nvSpPr>
+        <p:spPr/>
+        <p:txBody>
+          <a:bodyPr/>
+          <a:p>
+            <a:r>
+              <a:rPr lang="en-US" altLang="zh-CN"/>
+              <a:t>jquery</a:t>
+            </a:r>
+            <a:r>
+              <a:rPr lang="zh-CN" altLang="en-US"/>
+              <a:t>祖先</a:t>
+            </a:r>
+            <a:endParaRPr lang="zh-CN" altLang="en-US"/>
+          </a:p>
+        </p:txBody>
+      </p:sp>
+      <p:sp>
+        <p:nvSpPr>
+          <p:cNvPr id="3" name="内容占位符 2"/>
+          <p:cNvSpPr>
+            <a:spLocks noGrp="1"/>
+          </p:cNvSpPr>
+          <p:nvPr>
+            <p:ph idx="1"/>
+          </p:nvPr>
+        </p:nvSpPr>
+        <p:spPr/>
+        <p:txBody>
+          <a:bodyPr/>
+          <a:p>
+            <a:r>
+              <a:rPr lang="zh-CN" altLang="en-US"/>
+              <a:t>向上遍历 DOM 树</a:t>
+            </a:r>
+            <a:endParaRPr lang="zh-CN" altLang="en-US"/>
+          </a:p>
+          <a:p>
+            <a:r>
+              <a:rPr lang="zh-CN" altLang="en-US"/>
+              <a:t>这些 jQuery 方法很有用，它们用于向上遍历 DOM 树：</a:t>
+            </a:r>
+            <a:endParaRPr lang="zh-CN" altLang="en-US"/>
+          </a:p>
+          <a:p>
+            <a:endParaRPr lang="zh-CN" altLang="en-US"/>
+          </a:p>
+          <a:p>
+            <a:r>
+              <a:rPr lang="zh-CN" altLang="en-US"/>
+              <a:t>parent() </a:t>
+            </a:r>
+            <a:endParaRPr lang="zh-CN" altLang="en-US"/>
+          </a:p>
+          <a:p>
+            <a:r>
+              <a:rPr lang="zh-CN" altLang="en-US"/>
+              <a:t>parents() </a:t>
+            </a:r>
+            <a:endParaRPr lang="zh-CN" altLang="en-US"/>
+          </a:p>
+          <a:p>
+            <a:r>
+              <a:rPr lang="zh-CN" altLang="en-US"/>
+              <a:t>parentsUntil() 方法返回介于两个给定元素之间的所有祖先元素。</a:t>
+            </a:r>
+            <a:endParaRPr lang="zh-CN" altLang="en-US"/>
+          </a:p>
+        </p:txBody>
+      </p:sp>
+    </p:spTree>
+  </p:cSld>
+  <p:clrMapOvr>
+    <a:masterClrMapping/>
+  </p:clrMapOvr>
+</p:sld>
+</file>
+
+<file path=ppt/slides/slide19.xml><?xml version="1.0" encoding="utf-8"?>
+<p:sld xmlns:a="http://schemas.openxmlformats.org/drawingml/2006/main" xmlns:r="http://schemas.openxmlformats.org/officeDocument/2006/relationships" xmlns:p="http://schemas.openxmlformats.org/presentationml/2006/main">
+  <p:cSld>
+    <p:spTree>
+      <p:nvGrpSpPr>
+        <p:cNvPr id="1" name=""/>
+        <p:cNvGrpSpPr/>
+        <p:nvPr/>
+      </p:nvGrpSpPr>
+      <p:grpSpPr/>
+      <p:sp>
+        <p:nvSpPr>
+          <p:cNvPr id="2" name="标题 1"/>
+          <p:cNvSpPr>
+            <a:spLocks noGrp="1"/>
+          </p:cNvSpPr>
+          <p:nvPr>
+            <p:ph type="title"/>
+          </p:nvPr>
+        </p:nvSpPr>
+        <p:spPr/>
+        <p:txBody>
+          <a:bodyPr/>
+          <a:p>
+            <a:r>
+              <a:rPr lang="en-US" altLang="zh-CN"/>
+              <a:t>jquery</a:t>
+            </a:r>
+            <a:r>
+              <a:rPr lang="zh-CN" altLang="en-US"/>
+              <a:t>后代</a:t>
+            </a:r>
+            <a:endParaRPr lang="zh-CN" altLang="en-US"/>
+          </a:p>
+        </p:txBody>
+      </p:sp>
+      <p:sp>
+        <p:nvSpPr>
+          <p:cNvPr id="3" name="内容占位符 2"/>
+          <p:cNvSpPr>
+            <a:spLocks noGrp="1"/>
+          </p:cNvSpPr>
+          <p:nvPr>
+            <p:ph idx="1"/>
+          </p:nvPr>
+        </p:nvSpPr>
+        <p:spPr/>
+        <p:txBody>
+          <a:bodyPr/>
+          <a:p>
+            <a:r>
+              <a:rPr lang="zh-CN" altLang="en-US"/>
+              <a:t>jQuery children() 方法</a:t>
+            </a:r>
+            <a:endParaRPr lang="zh-CN" altLang="en-US"/>
+          </a:p>
+          <a:p>
+            <a:r>
+              <a:rPr lang="zh-CN" altLang="en-US"/>
+              <a:t>jQuery find() 方法</a:t>
+            </a:r>
+            <a:endParaRPr lang="zh-CN" altLang="en-US"/>
+          </a:p>
+        </p:txBody>
+      </p:sp>
+    </p:spTree>
+  </p:cSld>
+  <p:clrMapOvr>
+    <a:masterClrMapping/>
+  </p:clrMapOvr>
+</p:sld>
+</file>
+
+<file path=ppt/slides/slide2.xml><?xml version="1.0" encoding="utf-8"?>
+<p:sld xmlns:a="http://schemas.openxmlformats.org/drawingml/2006/main" xmlns:r="http://schemas.openxmlformats.org/officeDocument/2006/relationships" xmlns:p="http://schemas.openxmlformats.org/presentationml/2006/main">
+  <p:cSld>
+    <p:spTree>
+      <p:nvGrpSpPr>
+        <p:cNvPr id="1" name=""/>
+        <p:cNvGrpSpPr/>
+        <p:nvPr/>
+      </p:nvGrpSpPr>
+      <p:grpSpPr/>
+      <p:sp>
+        <p:nvSpPr>
+          <p:cNvPr id="2" name="标题 1"/>
+          <p:cNvSpPr>
+            <a:spLocks noGrp="1"/>
+          </p:cNvSpPr>
+          <p:nvPr>
+            <p:ph type="title"/>
+          </p:nvPr>
+        </p:nvSpPr>
+        <p:spPr/>
+        <p:txBody>
+          <a:bodyPr/>
+          <a:p>
+            <a:r>
+              <a:rPr lang="en-US" altLang="zh-CN"/>
+              <a:t>jquery</a:t>
+            </a:r>
+            <a:r>
+              <a:rPr lang="zh-CN" altLang="en-US"/>
+              <a:t>目录</a:t>
+            </a:r>
+            <a:endParaRPr lang="zh-CN" altLang="en-US"/>
+          </a:p>
+        </p:txBody>
+      </p:sp>
+      <p:sp>
+        <p:nvSpPr>
+          <p:cNvPr id="3" name="内容占位符 2"/>
+          <p:cNvSpPr>
+            <a:spLocks noGrp="1"/>
+          </p:cNvSpPr>
+          <p:nvPr>
+            <p:ph idx="1"/>
+          </p:nvPr>
+        </p:nvSpPr>
+        <p:spPr/>
+        <p:txBody>
+          <a:bodyPr/>
+          <a:p>
+            <a:pPr marL="0" indent="0">
+              <a:buNone/>
+            </a:pPr>
+            <a:r>
+              <a:rPr lang="en-US" altLang="zh-CN"/>
+              <a:t>1.jquery</a:t>
+            </a:r>
+            <a:r>
+              <a:rPr lang="zh-CN" altLang="en-US"/>
+              <a:t>是什么，有什么用？</a:t>
+            </a:r>
+            <a:endParaRPr lang="zh-CN" altLang="en-US"/>
+          </a:p>
+          <a:p>
+            <a:pPr marL="0" indent="0">
+              <a:buNone/>
+            </a:pPr>
+            <a:r>
+              <a:rPr lang="en-US" altLang="zh-CN"/>
+              <a:t>2.</a:t>
+            </a:r>
+            <a:r>
+              <a:rPr lang="zh-CN" altLang="en-US"/>
+              <a:t>安装</a:t>
+            </a:r>
+            <a:r>
+              <a:rPr lang="en-US" altLang="zh-CN"/>
+              <a:t>jquery</a:t>
+            </a:r>
+            <a:endParaRPr lang="en-US" altLang="zh-CN"/>
+          </a:p>
+          <a:p>
+            <a:pPr marL="0" indent="0">
+              <a:buNone/>
+            </a:pPr>
+            <a:r>
+              <a:rPr lang="en-US" altLang="zh-CN"/>
+              <a:t>3.jquery</a:t>
+            </a:r>
+            <a:r>
+              <a:rPr lang="zh-CN" altLang="en-US"/>
+              <a:t>语法</a:t>
+            </a:r>
+            <a:endParaRPr lang="zh-CN" altLang="en-US"/>
+          </a:p>
+          <a:p>
+            <a:pPr marL="0" indent="0">
+              <a:buNone/>
+            </a:pPr>
+            <a:r>
+              <a:rPr lang="en-US" altLang="zh-CN"/>
+              <a:t>4.jquery</a:t>
+            </a:r>
+            <a:r>
+              <a:rPr lang="zh-CN" altLang="en-US"/>
+              <a:t>选择器</a:t>
+            </a:r>
+            <a:endParaRPr lang="zh-CN" altLang="en-US"/>
+          </a:p>
+          <a:p>
+            <a:pPr marL="0" indent="0">
+              <a:buNone/>
+            </a:pPr>
+            <a:r>
+              <a:rPr lang="en-US" altLang="zh-CN"/>
+              <a:t>5.jquery</a:t>
+            </a:r>
+            <a:r>
+              <a:rPr lang="zh-CN" altLang="en-US"/>
+              <a:t>事件</a:t>
+            </a:r>
+            <a:endParaRPr lang="zh-CN" altLang="en-US"/>
+          </a:p>
+        </p:txBody>
+      </p:sp>
+    </p:spTree>
+  </p:cSld>
+  <p:clrMapOvr>
+    <a:masterClrMapping/>
+  </p:clrMapOvr>
+</p:sld>
+</file>
+
+<file path=ppt/slides/slide20.xml><?xml version="1.0" encoding="utf-8"?>
+<p:sld xmlns:a="http://schemas.openxmlformats.org/drawingml/2006/main" xmlns:r="http://schemas.openxmlformats.org/officeDocument/2006/relationships" xmlns:p="http://schemas.openxmlformats.org/presentationml/2006/main">
+  <p:cSld>
+    <p:spTree>
+      <p:nvGrpSpPr>
+        <p:cNvPr id="1" name=""/>
+        <p:cNvGrpSpPr/>
+        <p:nvPr/>
+      </p:nvGrpSpPr>
+      <p:grpSpPr/>
+      <p:sp>
+        <p:nvSpPr>
+          <p:cNvPr id="2" name="标题 1"/>
+          <p:cNvSpPr>
+            <a:spLocks noGrp="1"/>
+          </p:cNvSpPr>
+          <p:nvPr>
+            <p:ph type="title"/>
+          </p:nvPr>
+        </p:nvSpPr>
+        <p:spPr/>
+        <p:txBody>
+          <a:bodyPr/>
+          <a:p>
+            <a:r>
+              <a:rPr lang="en-US" altLang="zh-CN"/>
+              <a:t>jquery</a:t>
+            </a:r>
+            <a:r>
+              <a:rPr lang="zh-CN" altLang="en-US"/>
+              <a:t>同胞</a:t>
+            </a:r>
+            <a:endParaRPr lang="zh-CN" altLang="en-US"/>
+          </a:p>
+        </p:txBody>
+      </p:sp>
+      <p:sp>
+        <p:nvSpPr>
+          <p:cNvPr id="3" name="内容占位符 2"/>
+          <p:cNvSpPr>
+            <a:spLocks noGrp="1"/>
+          </p:cNvSpPr>
+          <p:nvPr>
+            <p:ph idx="1"/>
+          </p:nvPr>
+        </p:nvSpPr>
+        <p:spPr/>
+        <p:txBody>
+          <a:bodyPr>
+            <a:normAutofit lnSpcReduction="20000"/>
+          </a:bodyPr>
+          <a:p>
+            <a:r>
+              <a:rPr lang="zh-CN" altLang="en-US"/>
+              <a:t>在 DOM 树中水平遍历</a:t>
+            </a:r>
+            <a:endParaRPr lang="zh-CN" altLang="en-US"/>
+          </a:p>
+          <a:p>
+            <a:r>
+              <a:rPr lang="zh-CN" altLang="en-US"/>
+              <a:t>有许多有用的方法让我们在 DOM 树进行水平遍历：</a:t>
+            </a:r>
+            <a:endParaRPr lang="zh-CN" altLang="en-US"/>
+          </a:p>
+          <a:p>
+            <a:endParaRPr lang="zh-CN" altLang="en-US"/>
+          </a:p>
+          <a:p>
+            <a:r>
+              <a:rPr lang="zh-CN" altLang="en-US"/>
+              <a:t>siblings() </a:t>
+            </a:r>
+            <a:endParaRPr lang="zh-CN" altLang="en-US"/>
+          </a:p>
+          <a:p>
+            <a:r>
+              <a:rPr lang="zh-CN" altLang="en-US"/>
+              <a:t>next() </a:t>
+            </a:r>
+            <a:endParaRPr lang="zh-CN" altLang="en-US"/>
+          </a:p>
+          <a:p>
+            <a:r>
+              <a:rPr lang="zh-CN" altLang="en-US"/>
+              <a:t>nextAll() </a:t>
+            </a:r>
+            <a:endParaRPr lang="zh-CN" altLang="en-US"/>
+          </a:p>
+          <a:p>
+            <a:r>
+              <a:rPr lang="zh-CN" altLang="en-US"/>
+              <a:t>nextUntil() </a:t>
+            </a:r>
+            <a:endParaRPr lang="zh-CN" altLang="en-US"/>
+          </a:p>
+          <a:p>
+            <a:r>
+              <a:rPr lang="zh-CN" altLang="en-US"/>
+              <a:t>prev() </a:t>
+            </a:r>
+            <a:endParaRPr lang="zh-CN" altLang="en-US"/>
+          </a:p>
+          <a:p>
+            <a:r>
+              <a:rPr lang="zh-CN" altLang="en-US"/>
+              <a:t>prevAll() </a:t>
+            </a:r>
+            <a:endParaRPr lang="zh-CN" altLang="en-US"/>
+          </a:p>
+          <a:p>
+            <a:r>
+              <a:rPr lang="zh-CN" altLang="en-US"/>
+              <a:t>prevUntil() </a:t>
+            </a:r>
+            <a:endParaRPr lang="zh-CN" altLang="en-US"/>
+          </a:p>
+        </p:txBody>
+      </p:sp>
+    </p:spTree>
+  </p:cSld>
+  <p:clrMapOvr>
+    <a:masterClrMapping/>
+  </p:clrMapOvr>
+</p:sld>
+</file>
+
+<file path=ppt/slides/slide21.xml><?xml version="1.0" encoding="utf-8"?>
+<p:sld xmlns:a="http://schemas.openxmlformats.org/drawingml/2006/main" xmlns:r="http://schemas.openxmlformats.org/officeDocument/2006/relationships" xmlns:p="http://schemas.openxmlformats.org/presentationml/2006/main">
+  <p:cSld>
+    <p:spTree>
+      <p:nvGrpSpPr>
+        <p:cNvPr id="1" name=""/>
+        <p:cNvGrpSpPr/>
+        <p:nvPr/>
+      </p:nvGrpSpPr>
+      <p:grpSpPr/>
+      <p:sp>
+        <p:nvSpPr>
+          <p:cNvPr id="2" name="标题 1"/>
+          <p:cNvSpPr>
+            <a:spLocks noGrp="1"/>
+          </p:cNvSpPr>
+          <p:nvPr>
+            <p:ph type="title"/>
+          </p:nvPr>
+        </p:nvSpPr>
+        <p:spPr/>
+        <p:txBody>
+          <a:bodyPr/>
+          <a:p>
+            <a:r>
+              <a:rPr lang="en-US" altLang="zh-CN"/>
+              <a:t>jquery</a:t>
+            </a:r>
+            <a:r>
+              <a:rPr lang="zh-CN" altLang="en-US"/>
+              <a:t>过滤</a:t>
+            </a:r>
+            <a:endParaRPr lang="zh-CN" altLang="en-US"/>
+          </a:p>
+        </p:txBody>
+      </p:sp>
+      <p:sp>
+        <p:nvSpPr>
+          <p:cNvPr id="3" name="内容占位符 2"/>
+          <p:cNvSpPr>
+            <a:spLocks noGrp="1"/>
+          </p:cNvSpPr>
+          <p:nvPr>
+            <p:ph idx="1"/>
+          </p:nvPr>
+        </p:nvSpPr>
+        <p:spPr/>
+        <p:txBody>
+          <a:bodyPr/>
+          <a:p>
+            <a:r>
+              <a:rPr lang="en-US" altLang="zh-CN"/>
+              <a:t>jquery first()</a:t>
+            </a:r>
+            <a:endParaRPr lang="en-US" altLang="zh-CN"/>
+          </a:p>
+          <a:p>
+            <a:r>
+              <a:rPr lang="en-US" altLang="zh-CN"/>
+              <a:t>jquery eq()</a:t>
+            </a:r>
+            <a:endParaRPr lang="en-US" altLang="zh-CN"/>
+          </a:p>
+          <a:p>
+            <a:r>
+              <a:rPr lang="en-US" altLang="zh-CN"/>
+              <a:t>jquery filter()</a:t>
+            </a:r>
+            <a:endParaRPr lang="en-US" altLang="zh-CN"/>
+          </a:p>
+          <a:p>
+            <a:r>
+              <a:rPr lang="en-US" altLang="zh-CN"/>
+              <a:t>jquery not()</a:t>
+            </a:r>
+            <a:endParaRPr lang="en-US" altLang="zh-CN"/>
+          </a:p>
+        </p:txBody>
+      </p:sp>
+    </p:spTree>
+  </p:cSld>
+  <p:clrMapOvr>
+    <a:masterClrMapping/>
+  </p:clrMapOvr>
+</p:sld>
+</file>
+
+<file path=ppt/slides/slide3.xml><?xml version="1.0" encoding="utf-8"?>
+<p:sld xmlns:a="http://schemas.openxmlformats.org/drawingml/2006/main" xmlns:r="http://schemas.openxmlformats.org/officeDocument/2006/relationships" xmlns:p="http://schemas.openxmlformats.org/presentationml/2006/main">
+  <p:cSld>
+    <p:spTree>
+      <p:nvGrpSpPr>
+        <p:cNvPr id="1" name=""/>
+        <p:cNvGrpSpPr/>
+        <p:nvPr/>
+      </p:nvGrpSpPr>
+      <p:grpSpPr/>
+      <p:sp>
+        <p:nvSpPr>
+          <p:cNvPr id="2" name="标题 1"/>
+          <p:cNvSpPr>
+            <a:spLocks noGrp="1"/>
+          </p:cNvSpPr>
+          <p:nvPr>
+            <p:ph type="title"/>
+          </p:nvPr>
+        </p:nvSpPr>
+        <p:spPr/>
+        <p:txBody>
+          <a:bodyPr/>
+          <a:p>
+            <a:r>
+              <a:rPr lang="en-US" altLang="zh-CN"/>
+              <a:t>jquery</a:t>
+            </a:r>
+            <a:r>
+              <a:rPr lang="zh-CN" altLang="en-US"/>
+              <a:t>是什么？</a:t>
+            </a:r>
+            <a:endParaRPr lang="zh-CN" altLang="en-US"/>
+          </a:p>
+        </p:txBody>
+      </p:sp>
+      <p:sp>
+        <p:nvSpPr>
+          <p:cNvPr id="3" name="内容占位符 2"/>
+          <p:cNvSpPr>
+            <a:spLocks noGrp="1"/>
+          </p:cNvSpPr>
+          <p:nvPr>
+            <p:ph idx="1"/>
+          </p:nvPr>
+        </p:nvSpPr>
+        <p:spPr/>
+        <p:txBody>
+          <a:bodyPr/>
+          <a:p>
+            <a:r>
+              <a:rPr lang="zh-CN" altLang="en-US"/>
+              <a:t>jQuery 库 - 特性</a:t>
+            </a:r>
+            <a:endParaRPr lang="zh-CN" altLang="en-US"/>
+          </a:p>
+          <a:p>
+            <a:r>
+              <a:rPr lang="zh-CN" altLang="en-US"/>
+              <a:t>jQuery 是一个 JavaScript 函数库。</a:t>
+            </a:r>
+            <a:endParaRPr lang="zh-CN" altLang="en-US"/>
+          </a:p>
+        </p:txBody>
+      </p:sp>
+    </p:spTree>
+  </p:cSld>
+  <p:clrMapOvr>
+    <a:masterClrMapping/>
+  </p:clrMapOvr>
+</p:sld>
+</file>
+
+<file path=ppt/slides/slide4.xml><?xml version="1.0" encoding="utf-8"?>
+<p:sld xmlns:a="http://schemas.openxmlformats.org/drawingml/2006/main" xmlns:r="http://schemas.openxmlformats.org/officeDocument/2006/relationships" xmlns:p="http://schemas.openxmlformats.org/presentationml/2006/main">
+  <p:cSld>
+    <p:spTree>
+      <p:nvGrpSpPr>
+        <p:cNvPr id="1" name=""/>
+        <p:cNvGrpSpPr/>
+        <p:nvPr/>
+      </p:nvGrpSpPr>
+      <p:grpSpPr/>
+      <p:sp>
+        <p:nvSpPr>
+          <p:cNvPr id="2" name="标题 1"/>
+          <p:cNvSpPr>
+            <a:spLocks noGrp="1"/>
+          </p:cNvSpPr>
+          <p:nvPr>
+            <p:ph type="title"/>
+          </p:nvPr>
+        </p:nvSpPr>
+        <p:spPr/>
+        <p:txBody>
+          <a:bodyPr/>
+          <a:p>
+            <a:r>
+              <a:rPr lang="zh-CN" altLang="en-US"/>
+              <a:t>下载</a:t>
+            </a:r>
+            <a:r>
+              <a:rPr lang="en-US" altLang="zh-CN"/>
+              <a:t>jquery</a:t>
+            </a:r>
+            <a:endParaRPr lang="en-US" altLang="zh-CN"/>
+          </a:p>
+        </p:txBody>
+      </p:sp>
+      <p:sp>
+        <p:nvSpPr>
+          <p:cNvPr id="3" name="内容占位符 2"/>
+          <p:cNvSpPr>
+            <a:spLocks noGrp="1"/>
+          </p:cNvSpPr>
+          <p:nvPr>
+            <p:ph idx="1"/>
+          </p:nvPr>
+        </p:nvSpPr>
+        <p:spPr/>
+        <p:txBody>
+          <a:bodyPr/>
+          <a:p>
+            <a:r>
+              <a:rPr lang="en-US" altLang="zh-CN"/>
+              <a:t>1.www.jquery.com</a:t>
+            </a:r>
+            <a:endParaRPr lang="en-US" altLang="zh-CN"/>
+          </a:p>
+          <a:p>
+            <a:r>
+              <a:rPr lang="en-US" altLang="zh-CN"/>
+              <a:t>2.</a:t>
+            </a:r>
+            <a:r>
+              <a:rPr lang="zh-CN" altLang="en-US"/>
+              <a:t>下载最新的就好</a:t>
+            </a:r>
+            <a:endParaRPr lang="zh-CN" altLang="en-US"/>
+          </a:p>
+          <a:p>
+            <a:endParaRPr lang="en-US" altLang="zh-CN"/>
+          </a:p>
+        </p:txBody>
+      </p:sp>
+      <p:pic>
+        <p:nvPicPr>
+          <p:cNvPr id="4" name="图片 3"/>
+          <p:cNvPicPr>
+            <a:picLocks noChangeAspect="1"/>
+          </p:cNvPicPr>
+          <p:nvPr/>
+        </p:nvPicPr>
+        <p:blipFill>
+          <a:blip r:embed="rId1"/>
+          <a:stretch>
+            <a:fillRect/>
+          </a:stretch>
+        </p:blipFill>
+        <p:spPr>
+          <a:xfrm>
+            <a:off x="4940300" y="542290"/>
+            <a:ext cx="9406255" cy="5743575"/>
+          </a:xfrm>
+          <a:prstGeom prst="rect">
+            <a:avLst/>
+          </a:prstGeom>
+        </p:spPr>
+      </p:pic>
+    </p:spTree>
+  </p:cSld>
+  <p:clrMapOvr>
+    <a:masterClrMapping/>
+  </p:clrMapOvr>
+</p:sld>
+</file>
+
+<file path=ppt/slides/slide5.xml><?xml version="1.0" encoding="utf-8"?>
+<p:sld xmlns:a="http://schemas.openxmlformats.org/drawingml/2006/main" xmlns:r="http://schemas.openxmlformats.org/officeDocument/2006/relationships" xmlns:p="http://schemas.openxmlformats.org/presentationml/2006/main">
+  <p:cSld>
+    <p:spTree>
+      <p:nvGrpSpPr>
+        <p:cNvPr id="1" name=""/>
+        <p:cNvGrpSpPr/>
+        <p:nvPr/>
+      </p:nvGrpSpPr>
+      <p:grpSpPr/>
+      <p:sp>
+        <p:nvSpPr>
+          <p:cNvPr id="2" name="标题 1"/>
+          <p:cNvSpPr>
+            <a:spLocks noGrp="1"/>
+          </p:cNvSpPr>
+          <p:nvPr>
+            <p:ph type="title"/>
+          </p:nvPr>
+        </p:nvSpPr>
+        <p:spPr/>
+        <p:txBody>
+          <a:bodyPr/>
+          <a:p>
+            <a:r>
+              <a:rPr lang="en-US" altLang="zh-CN"/>
+              <a:t>jquery</a:t>
+            </a:r>
+            <a:r>
+              <a:rPr lang="zh-CN" altLang="en-US"/>
+              <a:t>安装</a:t>
+            </a:r>
+            <a:endParaRPr lang="zh-CN" altLang="en-US"/>
+          </a:p>
+        </p:txBody>
+      </p:sp>
+      <p:sp>
+        <p:nvSpPr>
+          <p:cNvPr id="3" name="内容占位符 2"/>
+          <p:cNvSpPr>
+            <a:spLocks noGrp="1"/>
+          </p:cNvSpPr>
+          <p:nvPr>
+            <p:ph idx="1"/>
+          </p:nvPr>
+        </p:nvSpPr>
+        <p:spPr/>
+        <p:txBody>
+          <a:bodyPr/>
+          <a:p>
+            <a:r>
+              <a:rPr lang="zh-CN" altLang="en-US"/>
+              <a:t>&lt;head&gt;</a:t>
+            </a:r>
+            <a:endParaRPr lang="zh-CN" altLang="en-US"/>
+          </a:p>
+          <a:p>
+            <a:r>
+              <a:rPr lang="zh-CN" altLang="en-US"/>
+              <a:t>&lt;script type="text/javascript" src="jquery.js"&gt;&lt;/script&gt;</a:t>
+            </a:r>
+            <a:endParaRPr lang="zh-CN" altLang="en-US"/>
+          </a:p>
+          <a:p>
+            <a:r>
+              <a:rPr lang="zh-CN" altLang="en-US"/>
+              <a:t>&lt;/head&gt;</a:t>
+            </a:r>
+            <a:endParaRPr lang="zh-CN" altLang="en-US"/>
+          </a:p>
+        </p:txBody>
+      </p:sp>
+    </p:spTree>
+  </p:cSld>
+  <p:clrMapOvr>
+    <a:masterClrMapping/>
+  </p:clrMapOvr>
+</p:sld>
+</file>
+
+<file path=ppt/slides/slide6.xml><?xml version="1.0" encoding="utf-8"?>
+<p:sld xmlns:a="http://schemas.openxmlformats.org/drawingml/2006/main" xmlns:r="http://schemas.openxmlformats.org/officeDocument/2006/relationships" xmlns:p="http://schemas.openxmlformats.org/presentationml/2006/main">
+  <p:cSld>
+    <p:spTree>
+      <p:nvGrpSpPr>
+        <p:cNvPr id="1" name=""/>
+        <p:cNvGrpSpPr/>
+        <p:nvPr/>
+      </p:nvGrpSpPr>
+      <p:grpSpPr/>
+      <p:sp>
+        <p:nvSpPr>
+          <p:cNvPr id="2" name="标题 1"/>
+          <p:cNvSpPr>
+            <a:spLocks noGrp="1"/>
+          </p:cNvSpPr>
+          <p:nvPr>
+            <p:ph type="title"/>
+          </p:nvPr>
+        </p:nvSpPr>
+        <p:spPr/>
+        <p:txBody>
+          <a:bodyPr/>
+          <a:p>
+            <a:r>
+              <a:rPr lang="en-US" altLang="zh-CN"/>
+              <a:t>jquery</a:t>
+            </a:r>
+            <a:r>
+              <a:rPr lang="zh-CN" altLang="en-US"/>
+              <a:t>语法</a:t>
+            </a:r>
+            <a:endParaRPr lang="zh-CN" altLang="en-US"/>
+          </a:p>
+        </p:txBody>
+      </p:sp>
+      <p:sp>
+        <p:nvSpPr>
+          <p:cNvPr id="3" name="内容占位符 2"/>
+          <p:cNvSpPr>
+            <a:spLocks noGrp="1"/>
+          </p:cNvSpPr>
+          <p:nvPr>
+            <p:ph idx="1"/>
+          </p:nvPr>
+        </p:nvSpPr>
+        <p:spPr/>
+        <p:txBody>
+          <a:bodyPr/>
+          <a:p>
+            <a:pPr marL="0" indent="0">
+              <a:buNone/>
+            </a:pPr>
+            <a:r>
+              <a:rPr lang="en-US" altLang="zh-CN"/>
+              <a:t>$(document).ready(function(){</a:t>
+            </a:r>
+            <a:endParaRPr lang="en-US" altLang="zh-CN"/>
+          </a:p>
+          <a:p>
+            <a:endParaRPr lang="en-US" altLang="zh-CN"/>
+          </a:p>
+          <a:p>
+            <a:pPr marL="0" indent="0">
+              <a:buNone/>
+            </a:pPr>
+            <a:r>
+              <a:rPr lang="en-US" altLang="zh-CN"/>
+              <a:t>});</a:t>
+            </a:r>
+            <a:endParaRPr lang="en-US" altLang="zh-CN"/>
+          </a:p>
+        </p:txBody>
+      </p:sp>
+    </p:spTree>
+  </p:cSld>
+  <p:clrMapOvr>
+    <a:masterClrMapping/>
+  </p:clrMapOvr>
+</p:sld>
+</file>
+
+<file path=ppt/slides/slide7.xml><?xml version="1.0" encoding="utf-8"?>
+<p:sld xmlns:a="http://schemas.openxmlformats.org/drawingml/2006/main" xmlns:r="http://schemas.openxmlformats.org/officeDocument/2006/relationships" xmlns:p="http://schemas.openxmlformats.org/presentationml/2006/main">
+  <p:cSld>
+    <p:spTree>
+      <p:nvGrpSpPr>
+        <p:cNvPr id="1" name=""/>
+        <p:cNvGrpSpPr/>
+        <p:nvPr/>
+      </p:nvGrpSpPr>
+      <p:grpSpPr/>
+      <p:sp>
+        <p:nvSpPr>
+          <p:cNvPr id="2" name="标题 1"/>
+          <p:cNvSpPr>
+            <a:spLocks noGrp="1"/>
+          </p:cNvSpPr>
+          <p:nvPr>
+            <p:ph type="title"/>
+          </p:nvPr>
+        </p:nvSpPr>
+        <p:spPr/>
+        <p:txBody>
+          <a:bodyPr/>
+          <a:p>
+            <a:r>
+              <a:rPr lang="en-US" altLang="zh-CN"/>
+              <a:t>jquery </a:t>
+            </a:r>
+            <a:r>
+              <a:rPr lang="zh-CN" altLang="en-US"/>
+              <a:t>选择器</a:t>
+            </a:r>
+            <a:endParaRPr lang="zh-CN" altLang="en-US"/>
+          </a:p>
+        </p:txBody>
+      </p:sp>
+      <p:pic>
+        <p:nvPicPr>
+          <p:cNvPr id="4" name="内容占位符 3"/>
+          <p:cNvPicPr>
+            <a:picLocks noChangeAspect="1"/>
+          </p:cNvPicPr>
+          <p:nvPr>
+            <p:ph idx="1"/>
+          </p:nvPr>
+        </p:nvPicPr>
+        <p:blipFill>
+          <a:blip r:embed="rId1"/>
+          <a:stretch>
+            <a:fillRect/>
+          </a:stretch>
+        </p:blipFill>
+        <p:spPr>
+          <a:xfrm>
+            <a:off x="5173345" y="128905"/>
+            <a:ext cx="6847840" cy="6551295"/>
+          </a:xfrm>
+          <a:prstGeom prst="rect">
+            <a:avLst/>
+          </a:prstGeom>
+        </p:spPr>
+      </p:pic>
+    </p:spTree>
+  </p:cSld>
+  <p:clrMapOvr>
+    <a:masterClrMapping/>
+  </p:clrMapOvr>
+</p:sld>
+</file>
+
+<file path=ppt/slides/slide8.xml><?xml version="1.0" encoding="utf-8"?>
+<p:sld xmlns:a="http://schemas.openxmlformats.org/drawingml/2006/main" xmlns:r="http://schemas.openxmlformats.org/officeDocument/2006/relationships" xmlns:p="http://schemas.openxmlformats.org/presentationml/2006/main">
+  <p:cSld>
+    <p:spTree>
+      <p:nvGrpSpPr>
+        <p:cNvPr id="1" name=""/>
+        <p:cNvGrpSpPr/>
+        <p:nvPr/>
+      </p:nvGrpSpPr>
+      <p:grpSpPr/>
+      <p:sp>
+        <p:nvSpPr>
+          <p:cNvPr id="2" name="标题 1"/>
+          <p:cNvSpPr>
+            <a:spLocks noGrp="1"/>
+          </p:cNvSpPr>
+          <p:nvPr>
+            <p:ph type="title"/>
+          </p:nvPr>
+        </p:nvSpPr>
+        <p:spPr/>
+        <p:txBody>
+          <a:bodyPr>
+            <a:normAutofit/>
+          </a:bodyPr>
+          <a:p>
+            <a:r>
+              <a:rPr lang="en-US" altLang="zh-CN"/>
+              <a:t>jquery</a:t>
+            </a:r>
+            <a:r>
+              <a:rPr lang="zh-CN" altLang="en-US"/>
+              <a:t>事件</a:t>
+            </a:r>
+            <a:endParaRPr lang="zh-CN" altLang="en-US"/>
+          </a:p>
+        </p:txBody>
+      </p:sp>
+      <p:pic>
+        <p:nvPicPr>
+          <p:cNvPr id="4" name="内容占位符 3"/>
+          <p:cNvPicPr>
+            <a:picLocks noChangeAspect="1"/>
+          </p:cNvPicPr>
+          <p:nvPr>
+            <p:ph idx="1"/>
+          </p:nvPr>
+        </p:nvPicPr>
+        <p:blipFill>
+          <a:blip r:embed="rId1"/>
+          <a:stretch>
+            <a:fillRect/>
+          </a:stretch>
+        </p:blipFill>
+        <p:spPr>
+          <a:xfrm>
+            <a:off x="255270" y="2275205"/>
+            <a:ext cx="10944860" cy="3589020"/>
+          </a:xfrm>
+          <a:prstGeom prst="rect">
+            <a:avLst/>
+          </a:prstGeom>
+        </p:spPr>
+      </p:pic>
+    </p:spTree>
+  </p:cSld>
+  <p:clrMapOvr>
+    <a:masterClrMapping/>
+  </p:clrMapOvr>
+</p:sld>
+</file>
+
+<file path=ppt/slides/slide9.xml><?xml version="1.0" encoding="utf-8"?>
+<p:sld xmlns:a="http://schemas.openxmlformats.org/drawingml/2006/main" xmlns:r="http://schemas.openxmlformats.org/officeDocument/2006/relationships" xmlns:p="http://schemas.openxmlformats.org/presentationml/2006/main">
+  <p:cSld>
+    <p:spTree>
+      <p:nvGrpSpPr>
+        <p:cNvPr id="1" name=""/>
+        <p:cNvGrpSpPr/>
+        <p:nvPr/>
+      </p:nvGrpSpPr>
+      <p:grpSpPr/>
+      <p:sp>
+        <p:nvSpPr>
+          <p:cNvPr id="2" name="标题 1"/>
+          <p:cNvSpPr>
+            <a:spLocks noGrp="1"/>
+          </p:cNvSpPr>
+          <p:nvPr>
+            <p:ph type="title"/>
+          </p:nvPr>
+        </p:nvSpPr>
+        <p:spPr/>
+        <p:txBody>
+          <a:bodyPr/>
+          <a:p>
+            <a:r>
+              <a:rPr lang="en-US" altLang="zh-CN"/>
+              <a:t>jquery</a:t>
+            </a:r>
+            <a:r>
+              <a:rPr lang="zh-CN" altLang="en-US"/>
+              <a:t>显示隐藏</a:t>
+            </a:r>
+            <a:endParaRPr lang="zh-CN" altLang="en-US"/>
+          </a:p>
+        </p:txBody>
+      </p:sp>
+      <p:sp>
+        <p:nvSpPr>
+          <p:cNvPr id="3" name="内容占位符 2"/>
+          <p:cNvSpPr>
+            <a:spLocks noGrp="1"/>
+          </p:cNvSpPr>
+          <p:nvPr>
+            <p:ph idx="1"/>
+          </p:nvPr>
+        </p:nvSpPr>
+        <p:spPr/>
+        <p:txBody>
+          <a:bodyPr/>
+          <a:p>
+            <a:pPr marL="0" indent="0">
+              <a:buNone/>
+            </a:pPr>
+            <a:r>
+              <a:rPr lang="en-US" altLang="zh-CN"/>
+              <a:t>show();</a:t>
+            </a:r>
+            <a:r>
+              <a:rPr lang="zh-CN" altLang="en-US"/>
+              <a:t>显示</a:t>
+            </a:r>
+            <a:endParaRPr lang="zh-CN" altLang="en-US"/>
+          </a:p>
+          <a:p>
+            <a:pPr marL="0" indent="0">
+              <a:buNone/>
+            </a:pPr>
+            <a:r>
+              <a:rPr lang="en-US" altLang="zh-CN"/>
+              <a:t>hide();</a:t>
+            </a:r>
+            <a:r>
+              <a:rPr lang="zh-CN" altLang="en-US"/>
+              <a:t>隐藏</a:t>
+            </a:r>
+            <a:endParaRPr lang="zh-CN" altLang="en-US"/>
+          </a:p>
+        </p:txBody>
+      </p:sp>
+    </p:spTree>
+  </p:cSld>
+  <p:clrMapOvr>
+    <a:masterClrMapping/>
+  </p:clrMapOvr>
+</p:sld>
+</file>
+
 <file path=ppt/theme/theme1.xml><?xml version="1.0" encoding="utf-8"?>
 <a:theme xmlns:a="http://schemas.openxmlformats.org/drawingml/2006/main" name="Office 主题">
   <a:themeElements>
@@ -2987,7 +5099,7 @@
     </a:clrScheme>
     <a:fontScheme name="Office">
       <a:majorFont>
-        <a:latin typeface="Calibri Light" panose="020F0302020204030204"/>
+        <a:latin typeface="Calibri Light"/>
         <a:ea typeface=""/>
         <a:cs typeface=""/>
         <a:font script="Jpan" typeface="ＭＳ Ｐゴシック"/>
@@ -3022,7 +5134,7 @@
         <a:font script="Geor" typeface="Sylfaen"/>
       </a:majorFont>
       <a:minorFont>
-        <a:latin typeface="Calibri" panose="020F0502020204030204"/>
+        <a:latin typeface="Calibri"/>
         <a:ea typeface=""/>
         <a:cs typeface=""/>
         <a:font script="Jpan" typeface="ＭＳ Ｐゴシック"/>

--- a/课程/高级/js+jquery.pptx
+++ b/课程/高级/js+jquery.pptx
@@ -2944,7 +2944,12 @@
             <p:ph type="ctrTitle"/>
           </p:nvPr>
         </p:nvSpPr>
-        <p:spPr/>
+        <p:spPr>
+          <a:xfrm>
+            <a:off x="1593850" y="996315"/>
+            <a:ext cx="9144000" cy="1565910"/>
+          </a:xfrm>
+        </p:spPr>
         <p:txBody>
           <a:bodyPr/>
           <a:p>
@@ -3163,11 +3168,7 @@
             <a:pPr algn="r"/>
             <a:r>
               <a:rPr lang="en-US" altLang="zh-CN"/>
-              <a:t>qq:</a:t>
-            </a:r>
-            <a:r>
-              <a:rPr lang="en-US" altLang="zh-CN"/>
-              <a:t>1712853213</a:t>
+              <a:t>qq:1712853213</a:t>
             </a:r>
             <a:endParaRPr lang="en-US" altLang="zh-CN"/>
           </a:p>
